--- a/Node js.pptx
+++ b/Node js.pptx
@@ -8,14 +8,17 @@
     <p:sldId id="256" r:id="rId2"/>
     <p:sldId id="257" r:id="rId3"/>
     <p:sldId id="258" r:id="rId4"/>
-    <p:sldId id="259" r:id="rId5"/>
-    <p:sldId id="261" r:id="rId6"/>
-    <p:sldId id="260" r:id="rId7"/>
-    <p:sldId id="262" r:id="rId8"/>
-    <p:sldId id="266" r:id="rId9"/>
-    <p:sldId id="263" r:id="rId10"/>
-    <p:sldId id="264" r:id="rId11"/>
-    <p:sldId id="265" r:id="rId12"/>
+    <p:sldId id="268" r:id="rId5"/>
+    <p:sldId id="259" r:id="rId6"/>
+    <p:sldId id="269" r:id="rId7"/>
+    <p:sldId id="261" r:id="rId8"/>
+    <p:sldId id="270" r:id="rId9"/>
+    <p:sldId id="271" r:id="rId10"/>
+    <p:sldId id="266" r:id="rId11"/>
+    <p:sldId id="273" r:id="rId12"/>
+    <p:sldId id="263" r:id="rId13"/>
+    <p:sldId id="260" r:id="rId14"/>
+    <p:sldId id="272" r:id="rId15"/>
   </p:sldIdLst>
   <p:sldSz cx="9144000" cy="6858000" type="screen4x3"/>
   <p:notesSz cx="6858000" cy="9144000"/>
@@ -114,6 +117,22 @@
       </a:defRPr>
     </a:lvl9pPr>
   </p:defaultTextStyle>
+  <p:extLst>
+    <p:ext uri="{EFAFB233-063F-42B5-8137-9DF3F51BA10A}">
+      <p15:sldGuideLst xmlns:p15="http://schemas.microsoft.com/office/powerpoint/2012/main">
+        <p15:guide id="1" orient="horz" pos="2160">
+          <p15:clr>
+            <a:srgbClr val="A4A3A4"/>
+          </p15:clr>
+        </p15:guide>
+        <p15:guide id="2" pos="2880">
+          <p15:clr>
+            <a:srgbClr val="A4A3A4"/>
+          </p15:clr>
+        </p15:guide>
+      </p15:sldGuideLst>
+    </p:ext>
+  </p:extLst>
 </p:presentation>
 </file>
 
@@ -254,7 +273,7 @@
           <a:p>
             <a:fld id="{607E1C23-45AB-4555-9BDA-A04357C66AFB}" type="datetimeFigureOut">
               <a:rPr lang="en-US" smtClean="0"/>
-              <a:t>8/9/2018</a:t>
+              <a:t>7/30/2019</a:t>
             </a:fld>
             <a:endParaRPr lang="en-US"/>
           </a:p>
@@ -1123,7 +1142,7 @@
           <a:p>
             <a:fld id="{607E1C23-45AB-4555-9BDA-A04357C66AFB}" type="datetimeFigureOut">
               <a:rPr lang="en-US" smtClean="0"/>
-              <a:t>8/9/2018</a:t>
+              <a:t>7/30/2019</a:t>
             </a:fld>
             <a:endParaRPr lang="en-US"/>
           </a:p>
@@ -1298,7 +1317,7 @@
           <a:p>
             <a:fld id="{607E1C23-45AB-4555-9BDA-A04357C66AFB}" type="datetimeFigureOut">
               <a:rPr lang="en-US" smtClean="0"/>
-              <a:t>8/9/2018</a:t>
+              <a:t>7/30/2019</a:t>
             </a:fld>
             <a:endParaRPr lang="en-US"/>
           </a:p>
@@ -1468,7 +1487,7 @@
           <a:p>
             <a:fld id="{607E1C23-45AB-4555-9BDA-A04357C66AFB}" type="datetimeFigureOut">
               <a:rPr lang="en-US" smtClean="0"/>
-              <a:t>8/9/2018</a:t>
+              <a:t>7/30/2019</a:t>
             </a:fld>
             <a:endParaRPr lang="en-US"/>
           </a:p>
@@ -1678,7 +1697,7 @@
           <a:p>
             <a:fld id="{607E1C23-45AB-4555-9BDA-A04357C66AFB}" type="datetimeFigureOut">
               <a:rPr lang="en-US" smtClean="0"/>
-              <a:t>8/9/2018</a:t>
+              <a:t>7/30/2019</a:t>
             </a:fld>
             <a:endParaRPr lang="en-US"/>
           </a:p>
@@ -2492,7 +2511,7 @@
           <a:p>
             <a:fld id="{607E1C23-45AB-4555-9BDA-A04357C66AFB}" type="datetimeFigureOut">
               <a:rPr lang="en-US" smtClean="0"/>
-              <a:t>8/9/2018</a:t>
+              <a:t>7/30/2019</a:t>
             </a:fld>
             <a:endParaRPr lang="en-US"/>
           </a:p>
@@ -2728,7 +2747,7 @@
           <a:p>
             <a:fld id="{607E1C23-45AB-4555-9BDA-A04357C66AFB}" type="datetimeFigureOut">
               <a:rPr lang="en-US" smtClean="0"/>
-              <a:t>8/9/2018</a:t>
+              <a:t>7/30/2019</a:t>
             </a:fld>
             <a:endParaRPr lang="en-US"/>
           </a:p>
@@ -3051,7 +3070,7 @@
           <a:p>
             <a:fld id="{607E1C23-45AB-4555-9BDA-A04357C66AFB}" type="datetimeFigureOut">
               <a:rPr lang="en-US" smtClean="0"/>
-              <a:t>8/9/2018</a:t>
+              <a:t>7/30/2019</a:t>
             </a:fld>
             <a:endParaRPr lang="en-US"/>
           </a:p>
@@ -3141,7 +3160,7 @@
           <a:p>
             <a:fld id="{607E1C23-45AB-4555-9BDA-A04357C66AFB}" type="datetimeFigureOut">
               <a:rPr lang="en-US" smtClean="0"/>
-              <a:t>8/9/2018</a:t>
+              <a:t>7/30/2019</a:t>
             </a:fld>
             <a:endParaRPr lang="en-US"/>
           </a:p>
@@ -3658,7 +3677,7 @@
           <a:p>
             <a:fld id="{607E1C23-45AB-4555-9BDA-A04357C66AFB}" type="datetimeFigureOut">
               <a:rPr lang="en-US" smtClean="0"/>
-              <a:t>8/9/2018</a:t>
+              <a:t>7/30/2019</a:t>
             </a:fld>
             <a:endParaRPr lang="en-US"/>
           </a:p>
@@ -4169,7 +4188,7 @@
           <a:p>
             <a:fld id="{607E1C23-45AB-4555-9BDA-A04357C66AFB}" type="datetimeFigureOut">
               <a:rPr lang="en-US" smtClean="0"/>
-              <a:t>8/9/2018</a:t>
+              <a:t>7/30/2019</a:t>
             </a:fld>
             <a:endParaRPr lang="en-US"/>
           </a:p>
@@ -4414,7 +4433,7 @@
           <a:p>
             <a:fld id="{607E1C23-45AB-4555-9BDA-A04357C66AFB}" type="datetimeFigureOut">
               <a:rPr lang="en-US" smtClean="0"/>
-              <a:t>8/9/2018</a:t>
+              <a:t>7/30/2019</a:t>
             </a:fld>
             <a:endParaRPr lang="en-US"/>
           </a:p>
@@ -5060,42 +5079,6 @@
           </a:extLst>
         </p:spPr>
       </p:pic>
-      <p:sp>
-        <p:nvSpPr>
-          <p:cNvPr id="6" name="TextBox 5"/>
-          <p:cNvSpPr txBox="1"/>
-          <p:nvPr/>
-        </p:nvSpPr>
-        <p:spPr>
-          <a:xfrm>
-            <a:off x="3886200" y="4038600"/>
-            <a:ext cx="4571999" cy="461665"/>
-          </a:xfrm>
-          <a:prstGeom prst="rect">
-            <a:avLst/>
-          </a:prstGeom>
-          <a:noFill/>
-        </p:spPr>
-        <p:txBody>
-          <a:bodyPr wrap="square" rtlCol="0">
-            <a:spAutoFit/>
-          </a:bodyPr>
-          <a:lstStyle/>
-          <a:p>
-            <a:r>
-              <a:rPr lang="en-US" sz="2400" b="1" dirty="0" smtClean="0">
-                <a:latin typeface="Arial" pitchFamily="34" charset="0"/>
-                <a:cs typeface="Arial" pitchFamily="34" charset="0"/>
-              </a:rPr>
-              <a:t>JavaScript on server</a:t>
-            </a:r>
-            <a:endParaRPr lang="en-US" sz="2400" b="1" dirty="0">
-              <a:latin typeface="Arial" pitchFamily="34" charset="0"/>
-              <a:cs typeface="Arial" pitchFamily="34" charset="0"/>
-            </a:endParaRPr>
-          </a:p>
-        </p:txBody>
-      </p:sp>
     </p:spTree>
     <p:extLst>
       <p:ext uri="{BB962C8B-B14F-4D97-AF65-F5344CB8AC3E}">
@@ -5143,14 +5126,27 @@
             <p:ph type="title"/>
           </p:nvPr>
         </p:nvSpPr>
-        <p:spPr/>
+        <p:spPr>
+          <a:xfrm>
+            <a:off x="457200" y="260784"/>
+            <a:ext cx="7467600" cy="1143000"/>
+          </a:xfrm>
+        </p:spPr>
         <p:txBody>
           <a:bodyPr/>
           <a:lstStyle/>
           <a:p>
             <a:r>
               <a:rPr lang="en-US" dirty="0" smtClean="0"/>
-              <a:t>Popular modules</a:t>
+              <a:t>Node in action: </a:t>
+            </a:r>
+            <a:r>
+              <a:rPr lang="en-US" dirty="0"/>
+              <a:t>l</a:t>
+            </a:r>
+            <a:r>
+              <a:rPr lang="en-US" dirty="0" smtClean="0"/>
+              <a:t>ets code</a:t>
             </a:r>
             <a:endParaRPr lang="en-US" dirty="0"/>
           </a:p>
@@ -5158,109 +5154,90 @@
       </p:sp>
       <p:sp>
         <p:nvSpPr>
-          <p:cNvPr id="3" name="Content Placeholder 2"/>
-          <p:cNvSpPr>
-            <a:spLocks noGrp="1"/>
-          </p:cNvSpPr>
-          <p:nvPr>
-            <p:ph sz="quarter" idx="1"/>
-          </p:nvPr>
-        </p:nvSpPr>
-        <p:spPr/>
-        <p:txBody>
-          <a:bodyPr/>
-          <a:lstStyle/>
-          <a:p>
-            <a:endParaRPr lang="en-US" dirty="0" smtClean="0"/>
-          </a:p>
-          <a:p>
-            <a:r>
-              <a:rPr lang="en-US" b="1" dirty="0" smtClean="0"/>
-              <a:t>Express</a:t>
-            </a:r>
-            <a:r>
-              <a:rPr lang="en-US" dirty="0" smtClean="0"/>
-              <a:t> - Web development framework.</a:t>
-            </a:r>
-          </a:p>
-          <a:p>
-            <a:r>
-              <a:rPr lang="en-US" b="1" dirty="0" smtClean="0"/>
-              <a:t>Mongoose</a:t>
-            </a:r>
-            <a:r>
-              <a:rPr lang="en-US" dirty="0" smtClean="0"/>
-              <a:t> -  Wrapper to interact with mongo-db.</a:t>
-            </a:r>
-          </a:p>
-          <a:p>
-            <a:r>
-              <a:rPr lang="en-US" b="1" dirty="0" smtClean="0"/>
-              <a:t>Socket.io</a:t>
-            </a:r>
-            <a:r>
-              <a:rPr lang="en-US" dirty="0" smtClean="0"/>
-              <a:t> - Server side component for web-sockets.</a:t>
-            </a:r>
-          </a:p>
-          <a:p>
-            <a:r>
-              <a:rPr lang="en-US" b="1" dirty="0" smtClean="0"/>
-              <a:t>Passport-</a:t>
-            </a:r>
-            <a:r>
-              <a:rPr lang="en-US" dirty="0" smtClean="0"/>
-              <a:t> </a:t>
-            </a:r>
-            <a:r>
-              <a:rPr lang="en-US" dirty="0"/>
-              <a:t>A</a:t>
-            </a:r>
-            <a:r>
-              <a:rPr lang="en-US" dirty="0" smtClean="0"/>
-              <a:t>uthentication middleware.</a:t>
-            </a:r>
-          </a:p>
-          <a:p>
-            <a:r>
-              <a:rPr lang="en-US" b="1" dirty="0" err="1" smtClean="0"/>
-              <a:t>Redis</a:t>
-            </a:r>
-            <a:r>
-              <a:rPr lang="en-US" dirty="0" smtClean="0"/>
-              <a:t> – </a:t>
-            </a:r>
-            <a:r>
-              <a:rPr lang="en-US" dirty="0" err="1" smtClean="0"/>
-              <a:t>Redis</a:t>
-            </a:r>
-            <a:r>
-              <a:rPr lang="en-US" dirty="0" smtClean="0"/>
-              <a:t> client library</a:t>
-            </a:r>
-          </a:p>
-          <a:p>
-            <a:r>
-              <a:rPr lang="en-US" b="1" dirty="0" smtClean="0"/>
-              <a:t>Pug/Jade</a:t>
-            </a:r>
-            <a:r>
-              <a:rPr lang="en-US" dirty="0" smtClean="0"/>
-              <a:t> – Template engine.</a:t>
-            </a:r>
-          </a:p>
-        </p:txBody>
-      </p:sp>
+          <p:cNvPr id="6" name="AutoShape 2" descr="https://as-prod.asyncgw.teams.microsoft.com/v1/objects/0-sa-d6-94bf1ff5740f1321273a3b3875b84b71/views/imgpsh_mobile_save"/>
+          <p:cNvSpPr>
+            <a:spLocks noChangeAspect="1" noChangeArrowheads="1"/>
+          </p:cNvSpPr>
+          <p:nvPr/>
+        </p:nvSpPr>
+        <p:spPr bwMode="auto">
+          <a:xfrm>
+            <a:off x="2286000" y="2819400"/>
+            <a:ext cx="4572000" cy="2571751"/>
+          </a:xfrm>
+          <a:prstGeom prst="rect">
+            <a:avLst/>
+          </a:prstGeom>
+          <a:noFill/>
+          <a:extLst>
+            <a:ext uri="{909E8E84-426E-40DD-AFC4-6F175D3DCCD1}">
+              <a14:hiddenFill xmlns:a14="http://schemas.microsoft.com/office/drawing/2010/main">
+                <a:solidFill>
+                  <a:srgbClr val="FFFFFF"/>
+                </a:solidFill>
+              </a14:hiddenFill>
+            </a:ext>
+          </a:extLst>
+        </p:spPr>
+        <p:txBody>
+          <a:bodyPr vert="horz" wrap="square" lIns="91440" tIns="45720" rIns="91440" bIns="45720" numCol="1" anchor="t" anchorCtr="0" compatLnSpc="1">
+            <a:prstTxWarp prst="textNoShape">
+              <a:avLst/>
+            </a:prstTxWarp>
+          </a:bodyPr>
+          <a:lstStyle/>
+          <a:p>
+            <a:endParaRPr lang="en-US"/>
+          </a:p>
+        </p:txBody>
+      </p:sp>
+      <p:pic>
+        <p:nvPicPr>
+          <p:cNvPr id="9" name="Picture 8"/>
+          <p:cNvPicPr>
+            <a:picLocks noChangeAspect="1"/>
+          </p:cNvPicPr>
+          <p:nvPr/>
+        </p:nvPicPr>
+        <p:blipFill>
+          <a:blip r:embed="rId2">
+            <a:extLst>
+              <a:ext uri="{28A0092B-C50C-407E-A947-70E740481C1C}">
+                <a14:useLocalDpi xmlns:a14="http://schemas.microsoft.com/office/drawing/2010/main" val="0"/>
+              </a:ext>
+            </a:extLst>
+          </a:blip>
+          <a:stretch>
+            <a:fillRect/>
+          </a:stretch>
+        </p:blipFill>
+        <p:spPr>
+          <a:xfrm>
+            <a:off x="1524000" y="1981200"/>
+            <a:ext cx="6096000" cy="3952875"/>
+          </a:xfrm>
+          <a:prstGeom prst="rect">
+            <a:avLst/>
+          </a:prstGeom>
+        </p:spPr>
+      </p:pic>
     </p:spTree>
     <p:extLst>
       <p:ext uri="{BB962C8B-B14F-4D97-AF65-F5344CB8AC3E}">
-        <p14:creationId xmlns:p14="http://schemas.microsoft.com/office/powerpoint/2010/main" val="3073307951"/>
+        <p14:creationId xmlns:p14="http://schemas.microsoft.com/office/powerpoint/2010/main" val="3043209829"/>
       </p:ext>
     </p:extLst>
   </p:cSld>
   <p:clrMapOvr>
     <a:masterClrMapping/>
   </p:clrMapOvr>
+  <p:timing>
+    <p:tnLst>
+      <p:par>
+        <p:cTn id="1" dur="indefinite" restart="never" nodeType="tmRoot"/>
+      </p:par>
+    </p:tnLst>
+  </p:timing>
 </p:sld>
 </file>
 
@@ -5291,14 +5268,19 @@
             <p:ph type="title"/>
           </p:nvPr>
         </p:nvSpPr>
-        <p:spPr/>
+        <p:spPr>
+          <a:xfrm>
+            <a:off x="457200" y="246930"/>
+            <a:ext cx="7467600" cy="1143000"/>
+          </a:xfrm>
+        </p:spPr>
         <p:txBody>
           <a:bodyPr/>
           <a:lstStyle/>
           <a:p>
             <a:r>
               <a:rPr lang="en-US" dirty="0" smtClean="0"/>
-              <a:t>Build Rest API</a:t>
+              <a:t>REPL</a:t>
             </a:r>
             <a:endParaRPr lang="en-US" dirty="0"/>
           </a:p>
@@ -5306,110 +5288,544 @@
       </p:sp>
       <p:sp>
         <p:nvSpPr>
-          <p:cNvPr id="3" name="Content Placeholder 2"/>
-          <p:cNvSpPr>
-            <a:spLocks noGrp="1"/>
-          </p:cNvSpPr>
-          <p:nvPr>
-            <p:ph sz="quarter" idx="1"/>
-          </p:nvPr>
-        </p:nvSpPr>
-        <p:spPr/>
-        <p:txBody>
-          <a:bodyPr/>
-          <a:lstStyle/>
-          <a:p>
-            <a:pPr marL="0" indent="0">
+          <p:cNvPr id="6" name="AutoShape 2" descr="https://as-prod.asyncgw.teams.microsoft.com/v1/objects/0-sa-d6-94bf1ff5740f1321273a3b3875b84b71/views/imgpsh_mobile_save"/>
+          <p:cNvSpPr>
+            <a:spLocks noChangeAspect="1" noChangeArrowheads="1"/>
+          </p:cNvSpPr>
+          <p:nvPr/>
+        </p:nvSpPr>
+        <p:spPr bwMode="auto">
+          <a:xfrm>
+            <a:off x="2286000" y="2819400"/>
+            <a:ext cx="4572000" cy="2571751"/>
+          </a:xfrm>
+          <a:prstGeom prst="rect">
+            <a:avLst/>
+          </a:prstGeom>
+          <a:noFill/>
+          <a:extLst>
+            <a:ext uri="{909E8E84-426E-40DD-AFC4-6F175D3DCCD1}">
+              <a14:hiddenFill xmlns:a14="http://schemas.microsoft.com/office/drawing/2010/main">
+                <a:solidFill>
+                  <a:srgbClr val="FFFFFF"/>
+                </a:solidFill>
+              </a14:hiddenFill>
+            </a:ext>
+          </a:extLst>
+        </p:spPr>
+        <p:txBody>
+          <a:bodyPr vert="horz" wrap="square" lIns="91440" tIns="45720" rIns="91440" bIns="45720" numCol="1" anchor="t" anchorCtr="0" compatLnSpc="1">
+            <a:prstTxWarp prst="textNoShape">
+              <a:avLst/>
+            </a:prstTxWarp>
+          </a:bodyPr>
+          <a:lstStyle/>
+          <a:p>
+            <a:endParaRPr lang="en-US"/>
+          </a:p>
+        </p:txBody>
+      </p:sp>
+      <p:sp>
+        <p:nvSpPr>
+          <p:cNvPr id="5" name="Title 1"/>
+          <p:cNvSpPr txBox="1">
+            <a:spLocks/>
+          </p:cNvSpPr>
+          <p:nvPr/>
+        </p:nvSpPr>
+        <p:spPr>
+          <a:xfrm>
+            <a:off x="2438399" y="895350"/>
+            <a:ext cx="4267200" cy="1143000"/>
+          </a:xfrm>
+          <a:prstGeom prst="rect">
+            <a:avLst/>
+          </a:prstGeom>
+        </p:spPr>
+        <p:txBody>
+          <a:bodyPr vert="horz" anchor="b">
+            <a:normAutofit/>
+          </a:bodyPr>
+          <a:lstStyle>
+            <a:lvl1pPr algn="l" rtl="0" eaLnBrk="1" latinLnBrk="0" hangingPunct="1">
+              <a:spcBef>
+                <a:spcPct val="0"/>
+              </a:spcBef>
               <a:buNone/>
-            </a:pPr>
+              <a:defRPr kumimoji="0" sz="3000" b="0" kern="1200" cap="small" baseline="0">
+                <a:solidFill>
+                  <a:schemeClr val="tx2"/>
+                </a:solidFill>
+                <a:latin typeface="+mj-lt"/>
+                <a:ea typeface="+mj-ea"/>
+                <a:cs typeface="+mj-cs"/>
+              </a:defRPr>
+            </a:lvl1pPr>
+          </a:lstStyle>
+          <a:p>
+            <a:r>
+              <a:rPr lang="en-US" dirty="0"/>
+              <a:t>r</a:t>
+            </a:r>
             <a:r>
               <a:rPr lang="en-US" dirty="0" smtClean="0"/>
-              <a:t>Using.</a:t>
-            </a:r>
-          </a:p>
-          <a:p>
+              <a:t>ead </a:t>
+            </a:r>
+            <a:r>
+              <a:rPr lang="en-US" dirty="0" err="1" smtClean="0"/>
+              <a:t>eval</a:t>
+            </a:r>
             <a:r>
               <a:rPr lang="en-US" dirty="0" smtClean="0"/>
-              <a:t>Express</a:t>
-            </a:r>
-          </a:p>
-          <a:p>
-            <a:pPr lvl="1"/>
-            <a:r>
-              <a:rPr lang="en-US" dirty="0" smtClean="0"/>
-              <a:t>Express app</a:t>
-            </a:r>
-          </a:p>
-          <a:p>
-            <a:pPr lvl="1"/>
-            <a:r>
-              <a:rPr lang="en-US" dirty="0" smtClean="0"/>
-              <a:t>Body parser</a:t>
-            </a:r>
-          </a:p>
-          <a:p>
-            <a:pPr lvl="1"/>
-            <a:r>
-              <a:rPr lang="en-US" dirty="0" smtClean="0"/>
-              <a:t>Cookie parser</a:t>
-            </a:r>
-          </a:p>
-          <a:p>
-            <a:endParaRPr lang="en-US" dirty="0" smtClean="0"/>
-          </a:p>
-          <a:p>
-            <a:r>
-              <a:rPr lang="en-US" dirty="0" smtClean="0"/>
-              <a:t>Mongoose</a:t>
-            </a:r>
-          </a:p>
-          <a:p>
-            <a:pPr lvl="1"/>
-            <a:r>
-              <a:rPr lang="en-US" dirty="0" smtClean="0"/>
-              <a:t>Create DB Connection</a:t>
+              <a:t> print loop</a:t>
             </a:r>
             <a:endParaRPr lang="en-US" dirty="0"/>
           </a:p>
-          <a:p>
-            <a:pPr lvl="1"/>
-            <a:r>
-              <a:rPr lang="en-US" dirty="0"/>
-              <a:t>Create </a:t>
-            </a:r>
-            <a:r>
-              <a:rPr lang="en-US" dirty="0" smtClean="0"/>
-              <a:t>Schema</a:t>
-            </a:r>
-          </a:p>
-          <a:p>
-            <a:pPr lvl="1"/>
-            <a:r>
-              <a:rPr lang="en-US" dirty="0" smtClean="0"/>
-              <a:t>Create Model</a:t>
-            </a:r>
-          </a:p>
-          <a:p>
-            <a:pPr marL="0" indent="0">
-              <a:buNone/>
-            </a:pPr>
-            <a:endParaRPr lang="en-US" dirty="0" smtClean="0"/>
-          </a:p>
-          <a:p>
-            <a:endParaRPr lang="en-US" dirty="0"/>
-          </a:p>
-        </p:txBody>
-      </p:sp>
+        </p:txBody>
+      </p:sp>
+      <p:pic>
+        <p:nvPicPr>
+          <p:cNvPr id="4" name="Picture 3"/>
+          <p:cNvPicPr>
+            <a:picLocks noChangeAspect="1"/>
+          </p:cNvPicPr>
+          <p:nvPr/>
+        </p:nvPicPr>
+        <p:blipFill>
+          <a:blip r:embed="rId2"/>
+          <a:stretch>
+            <a:fillRect/>
+          </a:stretch>
+        </p:blipFill>
+        <p:spPr>
+          <a:xfrm>
+            <a:off x="690563" y="2438547"/>
+            <a:ext cx="7462838" cy="3733654"/>
+          </a:xfrm>
+          <a:prstGeom prst="rect">
+            <a:avLst/>
+          </a:prstGeom>
+        </p:spPr>
+      </p:pic>
     </p:spTree>
     <p:extLst>
       <p:ext uri="{BB962C8B-B14F-4D97-AF65-F5344CB8AC3E}">
-        <p14:creationId xmlns:p14="http://schemas.microsoft.com/office/powerpoint/2010/main" val="269065599"/>
+        <p14:creationId xmlns:p14="http://schemas.microsoft.com/office/powerpoint/2010/main" val="3317227926"/>
       </p:ext>
     </p:extLst>
   </p:cSld>
   <p:clrMapOvr>
     <a:masterClrMapping/>
   </p:clrMapOvr>
+  <p:timing>
+    <p:tnLst>
+      <p:par>
+        <p:cTn id="1" dur="indefinite" restart="never" nodeType="tmRoot"/>
+      </p:par>
+    </p:tnLst>
+  </p:timing>
+</p:sld>
+</file>
+
+<file path=ppt/slides/slide12.xml><?xml version="1.0" encoding="utf-8"?>
+<p:sld xmlns:a="http://schemas.openxmlformats.org/drawingml/2006/main" xmlns:r="http://schemas.openxmlformats.org/officeDocument/2006/relationships" xmlns:p="http://schemas.openxmlformats.org/presentationml/2006/main">
+  <p:cSld>
+    <p:spTree>
+      <p:nvGrpSpPr>
+        <p:cNvPr id="1" name=""/>
+        <p:cNvGrpSpPr/>
+        <p:nvPr/>
+      </p:nvGrpSpPr>
+      <p:grpSpPr>
+        <a:xfrm>
+          <a:off x="0" y="0"/>
+          <a:ext cx="0" cy="0"/>
+          <a:chOff x="0" y="0"/>
+          <a:chExt cx="0" cy="0"/>
+        </a:xfrm>
+      </p:grpSpPr>
+      <p:sp>
+        <p:nvSpPr>
+          <p:cNvPr id="2" name="Title 1"/>
+          <p:cNvSpPr>
+            <a:spLocks noGrp="1"/>
+          </p:cNvSpPr>
+          <p:nvPr>
+            <p:ph type="title"/>
+          </p:nvPr>
+        </p:nvSpPr>
+        <p:spPr/>
+        <p:txBody>
+          <a:bodyPr/>
+          <a:lstStyle/>
+          <a:p>
+            <a:r>
+              <a:rPr lang="en-US" dirty="0" smtClean="0"/>
+              <a:t>NPM</a:t>
+            </a:r>
+            <a:endParaRPr lang="en-US" dirty="0"/>
+          </a:p>
+        </p:txBody>
+      </p:sp>
+      <p:sp>
+        <p:nvSpPr>
+          <p:cNvPr id="3" name="Content Placeholder 2"/>
+          <p:cNvSpPr>
+            <a:spLocks noGrp="1"/>
+          </p:cNvSpPr>
+          <p:nvPr>
+            <p:ph sz="quarter" idx="1"/>
+          </p:nvPr>
+        </p:nvSpPr>
+        <p:spPr/>
+        <p:txBody>
+          <a:bodyPr/>
+          <a:lstStyle/>
+          <a:p>
+            <a:r>
+              <a:rPr lang="en-US" dirty="0" smtClean="0"/>
+              <a:t>Node package manager</a:t>
+            </a:r>
+          </a:p>
+          <a:p>
+            <a:r>
+              <a:rPr lang="en-US" dirty="0" smtClean="0"/>
+              <a:t>Bundled with node.</a:t>
+            </a:r>
+          </a:p>
+          <a:p>
+            <a:r>
+              <a:rPr lang="en-US" dirty="0" err="1" smtClean="0"/>
+              <a:t>Package.json</a:t>
+            </a:r>
+            <a:endParaRPr lang="en-US" dirty="0" smtClean="0"/>
+          </a:p>
+          <a:p>
+            <a:endParaRPr lang="en-US" dirty="0"/>
+          </a:p>
+          <a:p>
+            <a:r>
+              <a:rPr lang="en-US" dirty="0" smtClean="0"/>
+              <a:t>Command : </a:t>
+            </a:r>
+            <a:r>
+              <a:rPr lang="en-US" dirty="0" err="1" smtClean="0"/>
+              <a:t>npm</a:t>
+            </a:r>
+            <a:r>
+              <a:rPr lang="en-US" dirty="0" smtClean="0"/>
+              <a:t> </a:t>
+            </a:r>
+            <a:r>
+              <a:rPr lang="en-US" dirty="0" err="1" smtClean="0"/>
+              <a:t>init</a:t>
+            </a:r>
+            <a:endParaRPr lang="en-US" dirty="0" smtClean="0"/>
+          </a:p>
+        </p:txBody>
+      </p:sp>
+      <p:pic>
+        <p:nvPicPr>
+          <p:cNvPr id="4100" name="Picture 4" descr="C:\Users\lakshmikantha\Pictures\package.PNG"/>
+          <p:cNvPicPr>
+            <a:picLocks noChangeAspect="1" noChangeArrowheads="1"/>
+          </p:cNvPicPr>
+          <p:nvPr/>
+        </p:nvPicPr>
+        <p:blipFill>
+          <a:blip r:embed="rId2">
+            <a:extLst>
+              <a:ext uri="{28A0092B-C50C-407E-A947-70E740481C1C}">
+                <a14:useLocalDpi xmlns:a14="http://schemas.microsoft.com/office/drawing/2010/main" val="0"/>
+              </a:ext>
+            </a:extLst>
+          </a:blip>
+          <a:srcRect/>
+          <a:stretch>
+            <a:fillRect/>
+          </a:stretch>
+        </p:blipFill>
+        <p:spPr bwMode="auto">
+          <a:xfrm>
+            <a:off x="4267200" y="762000"/>
+            <a:ext cx="4566254" cy="5846618"/>
+          </a:xfrm>
+          <a:prstGeom prst="rect">
+            <a:avLst/>
+          </a:prstGeom>
+          <a:noFill/>
+          <a:extLst>
+            <a:ext uri="{909E8E84-426E-40DD-AFC4-6F175D3DCCD1}">
+              <a14:hiddenFill xmlns:a14="http://schemas.microsoft.com/office/drawing/2010/main">
+                <a:solidFill>
+                  <a:srgbClr val="FFFFFF"/>
+                </a:solidFill>
+              </a14:hiddenFill>
+            </a:ext>
+          </a:extLst>
+        </p:spPr>
+      </p:pic>
+    </p:spTree>
+    <p:extLst>
+      <p:ext uri="{BB962C8B-B14F-4D97-AF65-F5344CB8AC3E}">
+        <p14:creationId xmlns:p14="http://schemas.microsoft.com/office/powerpoint/2010/main" val="1980389350"/>
+      </p:ext>
+    </p:extLst>
+  </p:cSld>
+  <p:clrMapOvr>
+    <a:masterClrMapping/>
+  </p:clrMapOvr>
+  <p:timing>
+    <p:tnLst>
+      <p:par>
+        <p:cTn id="1" dur="indefinite" restart="never" nodeType="tmRoot"/>
+      </p:par>
+    </p:tnLst>
+  </p:timing>
+</p:sld>
+</file>
+
+<file path=ppt/slides/slide13.xml><?xml version="1.0" encoding="utf-8"?>
+<p:sld xmlns:a="http://schemas.openxmlformats.org/drawingml/2006/main" xmlns:r="http://schemas.openxmlformats.org/officeDocument/2006/relationships" xmlns:p="http://schemas.openxmlformats.org/presentationml/2006/main">
+  <p:cSld>
+    <p:spTree>
+      <p:nvGrpSpPr>
+        <p:cNvPr id="1" name=""/>
+        <p:cNvGrpSpPr/>
+        <p:nvPr/>
+      </p:nvGrpSpPr>
+      <p:grpSpPr>
+        <a:xfrm>
+          <a:off x="0" y="0"/>
+          <a:ext cx="0" cy="0"/>
+          <a:chOff x="0" y="0"/>
+          <a:chExt cx="0" cy="0"/>
+        </a:xfrm>
+      </p:grpSpPr>
+      <p:sp>
+        <p:nvSpPr>
+          <p:cNvPr id="2" name="Title 1"/>
+          <p:cNvSpPr>
+            <a:spLocks noGrp="1"/>
+          </p:cNvSpPr>
+          <p:nvPr>
+            <p:ph type="title"/>
+          </p:nvPr>
+        </p:nvSpPr>
+        <p:spPr/>
+        <p:txBody>
+          <a:bodyPr/>
+          <a:lstStyle/>
+          <a:p>
+            <a:r>
+              <a:rPr lang="en-US" dirty="0" smtClean="0"/>
+              <a:t>What can we build with node.js?</a:t>
+            </a:r>
+            <a:endParaRPr lang="en-US" dirty="0"/>
+          </a:p>
+        </p:txBody>
+      </p:sp>
+      <p:sp>
+        <p:nvSpPr>
+          <p:cNvPr id="3" name="Content Placeholder 2"/>
+          <p:cNvSpPr>
+            <a:spLocks noGrp="1"/>
+          </p:cNvSpPr>
+          <p:nvPr>
+            <p:ph sz="quarter" idx="1"/>
+          </p:nvPr>
+        </p:nvSpPr>
+        <p:spPr/>
+        <p:txBody>
+          <a:bodyPr/>
+          <a:lstStyle/>
+          <a:p>
+            <a:endParaRPr lang="en-US" dirty="0" smtClean="0"/>
+          </a:p>
+          <a:p>
+            <a:r>
+              <a:rPr lang="en-US" dirty="0" smtClean="0"/>
+              <a:t>Rest APIs &amp; Backed Applications</a:t>
+            </a:r>
+          </a:p>
+          <a:p>
+            <a:r>
+              <a:rPr lang="en-US" dirty="0" smtClean="0"/>
+              <a:t>Real-Time Services (Chat, Games .</a:t>
+            </a:r>
+            <a:r>
+              <a:rPr lang="en-US" dirty="0" err="1" smtClean="0"/>
+              <a:t>etc</a:t>
+            </a:r>
+            <a:r>
+              <a:rPr lang="en-US" dirty="0" smtClean="0"/>
+              <a:t>)</a:t>
+            </a:r>
+          </a:p>
+          <a:p>
+            <a:r>
+              <a:rPr lang="en-US" dirty="0" smtClean="0"/>
+              <a:t>Blogs, CMS, Social applications.</a:t>
+            </a:r>
+          </a:p>
+          <a:p>
+            <a:r>
+              <a:rPr lang="en-US" dirty="0" smtClean="0"/>
+              <a:t>Utilities and Tools.</a:t>
+            </a:r>
+          </a:p>
+          <a:p>
+            <a:pPr marL="0" indent="0">
+              <a:buNone/>
+            </a:pPr>
+            <a:endParaRPr lang="en-US" dirty="0" smtClean="0"/>
+          </a:p>
+          <a:p>
+            <a:pPr marL="0" indent="0">
+              <a:buNone/>
+            </a:pPr>
+            <a:endParaRPr lang="en-US" dirty="0" smtClean="0"/>
+          </a:p>
+          <a:p>
+            <a:pPr marL="0" indent="0">
+              <a:buNone/>
+            </a:pPr>
+            <a:r>
+              <a:rPr lang="en-US" dirty="0" smtClean="0"/>
+              <a:t>	So Build anything that is not CPU intensive.</a:t>
+            </a:r>
+            <a:endParaRPr lang="en-US" dirty="0"/>
+          </a:p>
+        </p:txBody>
+      </p:sp>
+    </p:spTree>
+    <p:extLst>
+      <p:ext uri="{BB962C8B-B14F-4D97-AF65-F5344CB8AC3E}">
+        <p14:creationId xmlns:p14="http://schemas.microsoft.com/office/powerpoint/2010/main" val="1902273710"/>
+      </p:ext>
+    </p:extLst>
+  </p:cSld>
+  <p:clrMapOvr>
+    <a:masterClrMapping/>
+  </p:clrMapOvr>
+  <p:timing>
+    <p:tnLst>
+      <p:par>
+        <p:cTn id="1" dur="indefinite" restart="never" nodeType="tmRoot"/>
+      </p:par>
+    </p:tnLst>
+  </p:timing>
+</p:sld>
+</file>
+
+<file path=ppt/slides/slide14.xml><?xml version="1.0" encoding="utf-8"?>
+<p:sld xmlns:a="http://schemas.openxmlformats.org/drawingml/2006/main" xmlns:r="http://schemas.openxmlformats.org/officeDocument/2006/relationships" xmlns:p="http://schemas.openxmlformats.org/presentationml/2006/main">
+  <p:cSld>
+    <p:spTree>
+      <p:nvGrpSpPr>
+        <p:cNvPr id="1" name=""/>
+        <p:cNvGrpSpPr/>
+        <p:nvPr/>
+      </p:nvGrpSpPr>
+      <p:grpSpPr>
+        <a:xfrm>
+          <a:off x="0" y="0"/>
+          <a:ext cx="0" cy="0"/>
+          <a:chOff x="0" y="0"/>
+          <a:chExt cx="0" cy="0"/>
+        </a:xfrm>
+      </p:grpSpPr>
+      <p:sp>
+        <p:nvSpPr>
+          <p:cNvPr id="2" name="Title 1"/>
+          <p:cNvSpPr>
+            <a:spLocks noGrp="1"/>
+          </p:cNvSpPr>
+          <p:nvPr>
+            <p:ph type="title"/>
+          </p:nvPr>
+        </p:nvSpPr>
+        <p:spPr>
+          <a:xfrm>
+            <a:off x="3276600" y="2667000"/>
+            <a:ext cx="1752600" cy="838200"/>
+          </a:xfrm>
+        </p:spPr>
+        <p:txBody>
+          <a:bodyPr/>
+          <a:lstStyle/>
+          <a:p>
+            <a:r>
+              <a:rPr lang="en-US" dirty="0" smtClean="0"/>
+              <a:t>Q&amp;A</a:t>
+            </a:r>
+            <a:endParaRPr lang="en-US" dirty="0"/>
+          </a:p>
+        </p:txBody>
+      </p:sp>
+      <p:sp>
+        <p:nvSpPr>
+          <p:cNvPr id="5" name="Title 1"/>
+          <p:cNvSpPr txBox="1">
+            <a:spLocks/>
+          </p:cNvSpPr>
+          <p:nvPr/>
+        </p:nvSpPr>
+        <p:spPr>
+          <a:xfrm>
+            <a:off x="2781300" y="3733800"/>
+            <a:ext cx="2743200" cy="1143000"/>
+          </a:xfrm>
+          <a:prstGeom prst="rect">
+            <a:avLst/>
+          </a:prstGeom>
+        </p:spPr>
+        <p:txBody>
+          <a:bodyPr vert="horz" anchor="b">
+            <a:normAutofit/>
+          </a:bodyPr>
+          <a:lstStyle>
+            <a:lvl1pPr algn="l" rtl="0" eaLnBrk="1" latinLnBrk="0" hangingPunct="1">
+              <a:spcBef>
+                <a:spcPct val="0"/>
+              </a:spcBef>
+              <a:buNone/>
+              <a:defRPr kumimoji="0" sz="3000" b="0" kern="1200" cap="small" baseline="0">
+                <a:solidFill>
+                  <a:schemeClr val="tx2"/>
+                </a:solidFill>
+                <a:latin typeface="+mj-lt"/>
+                <a:ea typeface="+mj-ea"/>
+                <a:cs typeface="+mj-cs"/>
+              </a:defRPr>
+            </a:lvl1pPr>
+          </a:lstStyle>
+          <a:p>
+            <a:r>
+              <a:rPr lang="en-US" smtClean="0"/>
+              <a:t>THANK YOU</a:t>
+            </a:r>
+            <a:endParaRPr lang="en-US" dirty="0"/>
+          </a:p>
+        </p:txBody>
+      </p:sp>
+    </p:spTree>
+    <p:extLst>
+      <p:ext uri="{BB962C8B-B14F-4D97-AF65-F5344CB8AC3E}">
+        <p14:creationId xmlns:p14="http://schemas.microsoft.com/office/powerpoint/2010/main" val="2381738260"/>
+      </p:ext>
+    </p:extLst>
+  </p:cSld>
+  <p:clrMapOvr>
+    <a:masterClrMapping/>
+  </p:clrMapOvr>
+  <p:timing>
+    <p:tnLst>
+      <p:par>
+        <p:cTn id="1" dur="indefinite" restart="never" nodeType="tmRoot"/>
+      </p:par>
+    </p:tnLst>
+  </p:timing>
 </p:sld>
 </file>
 
@@ -5447,7 +5863,7 @@
           <a:p>
             <a:r>
               <a:rPr lang="en-US" dirty="0" smtClean="0"/>
-              <a:t>What to expect…</a:t>
+              <a:t>What to expect?</a:t>
             </a:r>
             <a:endParaRPr lang="en-US" b="1" dirty="0">
               <a:solidFill>
@@ -5471,54 +5887,78 @@
         </p:nvSpPr>
         <p:spPr/>
         <p:txBody>
-          <a:bodyPr/>
+          <a:bodyPr>
+            <a:normAutofit/>
+          </a:bodyPr>
           <a:lstStyle/>
           <a:p>
             <a:r>
               <a:rPr lang="en-US" dirty="0" smtClean="0"/>
-              <a:t>Introduction</a:t>
+              <a:t>JS Background.</a:t>
             </a:r>
           </a:p>
           <a:p>
             <a:r>
               <a:rPr lang="en-US" dirty="0" smtClean="0"/>
-              <a:t>How node works.</a:t>
+              <a:t>How it all started (History).</a:t>
             </a:r>
           </a:p>
           <a:p>
             <a:r>
               <a:rPr lang="en-US" dirty="0" smtClean="0"/>
-              <a:t>Node cli</a:t>
-            </a:r>
+              <a:t>What is NODE.js</a:t>
+            </a:r>
+            <a:endParaRPr lang="en-US" dirty="0"/>
           </a:p>
           <a:p>
             <a:r>
               <a:rPr lang="en-US" dirty="0" smtClean="0"/>
-              <a:t>Sample http app.</a:t>
-            </a:r>
-          </a:p>
-          <a:p>
+              <a:t>How it works.</a:t>
+            </a:r>
+            <a:endParaRPr lang="en-US" dirty="0"/>
+          </a:p>
+          <a:p>
+            <a:r>
+              <a:rPr lang="en-US" dirty="0"/>
+              <a:t>The architecture</a:t>
+            </a:r>
             <a:r>
               <a:rPr lang="en-US" dirty="0" smtClean="0"/>
-              <a:t>NPM</a:t>
+              <a:t>.</a:t>
             </a:r>
           </a:p>
           <a:p>
             <a:r>
               <a:rPr lang="en-US" dirty="0" smtClean="0"/>
-              <a:t>Node libraries/modules</a:t>
-            </a:r>
-          </a:p>
-          <a:p>
+              <a:t>REPL</a:t>
+            </a:r>
+            <a:r>
+              <a:rPr lang="en-US" dirty="0"/>
+              <a:t> </a:t>
+            </a:r>
             <a:r>
               <a:rPr lang="en-US" dirty="0" smtClean="0"/>
-              <a:t>Intro to express</a:t>
-            </a:r>
-          </a:p>
-          <a:p>
+              <a:t>(Read-</a:t>
+            </a:r>
+            <a:r>
+              <a:rPr lang="en-US" dirty="0" err="1" smtClean="0"/>
+              <a:t>Eval</a:t>
+            </a:r>
             <a:r>
               <a:rPr lang="en-US" dirty="0" smtClean="0"/>
-              <a:t>Sample REST API</a:t>
+              <a:t>-Print-Loop)</a:t>
+            </a:r>
+          </a:p>
+          <a:p>
+            <a:r>
+              <a:rPr lang="en-US" dirty="0" smtClean="0"/>
+              <a:t>Global Object.</a:t>
+            </a:r>
+          </a:p>
+          <a:p>
+            <a:r>
+              <a:rPr lang="en-US" dirty="0" smtClean="0"/>
+              <a:t>Modules.</a:t>
             </a:r>
           </a:p>
           <a:p>
@@ -5577,7 +6017,12 @@
             <p:ph type="title"/>
           </p:nvPr>
         </p:nvSpPr>
-        <p:spPr/>
+        <p:spPr>
+          <a:xfrm>
+            <a:off x="381000" y="304800"/>
+            <a:ext cx="7467600" cy="1143000"/>
+          </a:xfrm>
+        </p:spPr>
         <p:txBody>
           <a:bodyPr/>
           <a:lstStyle/>
@@ -5592,7 +6037,7 @@
       </p:sp>
       <p:sp>
         <p:nvSpPr>
-          <p:cNvPr id="3" name="Content Placeholder 2"/>
+          <p:cNvPr id="5" name="Content Placeholder 2"/>
           <p:cNvSpPr>
             <a:spLocks noGrp="1"/>
           </p:cNvSpPr>
@@ -5600,9 +6045,16 @@
             <p:ph sz="quarter" idx="1"/>
           </p:nvPr>
         </p:nvSpPr>
-        <p:spPr/>
-        <p:txBody>
-          <a:bodyPr/>
+        <p:spPr>
+          <a:xfrm>
+            <a:off x="457200" y="1600200"/>
+            <a:ext cx="7467600" cy="4873752"/>
+          </a:xfrm>
+        </p:spPr>
+        <p:txBody>
+          <a:bodyPr>
+            <a:normAutofit fontScale="92500" lnSpcReduction="20000"/>
+          </a:bodyPr>
           <a:lstStyle/>
           <a:p>
             <a:endParaRPr lang="en-US" dirty="0" smtClean="0"/>
@@ -5610,51 +6062,110 @@
           <a:p>
             <a:r>
               <a:rPr lang="en-US" dirty="0" smtClean="0"/>
-              <a:t>Node.js is Open Source</a:t>
+              <a:t>Browsers.</a:t>
             </a:r>
           </a:p>
           <a:p>
             <a:r>
               <a:rPr lang="en-US" dirty="0" smtClean="0"/>
-              <a:t>Created by </a:t>
+              <a:t>HTML + CSS</a:t>
+            </a:r>
+          </a:p>
+          <a:p>
+            <a:r>
+              <a:rPr lang="en-US" dirty="0"/>
+              <a:t>JS - for Dynamic web pages</a:t>
+            </a:r>
+          </a:p>
+          <a:p>
+            <a:r>
+              <a:rPr lang="en-US" dirty="0" smtClean="0"/>
+              <a:t>JS is Client side scripting language*.</a:t>
+            </a:r>
+          </a:p>
+          <a:p>
+            <a:pPr lvl="1"/>
+            <a:r>
+              <a:rPr lang="en-US" dirty="0" smtClean="0"/>
+              <a:t>Q</a:t>
+            </a:r>
+            <a:r>
+              <a:rPr lang="en-US" dirty="0"/>
+              <a:t>: Oh is it? then what about Servers </a:t>
+            </a:r>
+            <a:r>
+              <a:rPr lang="en-US" dirty="0" smtClean="0"/>
+              <a:t>side programing languages?</a:t>
+            </a:r>
+            <a:endParaRPr lang="en-US" dirty="0"/>
+          </a:p>
+          <a:p>
+            <a:pPr lvl="1"/>
+            <a:r>
+              <a:rPr lang="en-US" b="1" dirty="0"/>
+              <a:t>A: Java, </a:t>
             </a:r>
             <a:r>
               <a:rPr lang="en-US" b="1" dirty="0" smtClean="0"/>
-              <a:t>Ryan Dahl </a:t>
-            </a:r>
+              <a:t>PHP, ASP.net, Python…</a:t>
+            </a:r>
+            <a:endParaRPr lang="en-US" b="1" dirty="0"/>
+          </a:p>
+          <a:p>
+            <a:pPr lvl="1"/>
+            <a:endParaRPr lang="en-US" dirty="0" smtClean="0"/>
+          </a:p>
+          <a:p>
+            <a:pPr lvl="1"/>
             <a:r>
               <a:rPr lang="en-US" dirty="0" smtClean="0"/>
-              <a:t>in 2009</a:t>
-            </a:r>
-          </a:p>
-          <a:p>
-            <a:r>
-              <a:rPr lang="en-US" dirty="0" smtClean="0"/>
-              <a:t>Current version </a:t>
+              <a:t>Q</a:t>
+            </a:r>
+            <a:r>
+              <a:rPr lang="en-US" dirty="0"/>
+              <a:t>: Then what is node?</a:t>
+            </a:r>
+          </a:p>
+          <a:p>
+            <a:pPr lvl="1"/>
+            <a:r>
+              <a:rPr lang="en-US" b="1" dirty="0"/>
+              <a:t>A: It is not a language, neither a JS-framework like </a:t>
             </a:r>
             <a:r>
               <a:rPr lang="en-US" b="1" dirty="0" smtClean="0"/>
-              <a:t>v10.8.0</a:t>
-            </a:r>
-          </a:p>
-          <a:p>
-            <a:r>
-              <a:rPr lang="en-US" dirty="0" smtClean="0"/>
-              <a:t>Node.js is </a:t>
-            </a:r>
-            <a:r>
-              <a:rPr lang="en-US" dirty="0"/>
-              <a:t>built on Chrome’s v8 engine.</a:t>
-            </a:r>
-          </a:p>
-          <a:p>
-            <a:endParaRPr lang="en-US" dirty="0"/>
-          </a:p>
-          <a:p>
-            <a:pPr marL="0" indent="0">
+              <a:t>React/Angular/</a:t>
+            </a:r>
+            <a:r>
+              <a:rPr lang="en-US" b="1" dirty="0" err="1"/>
+              <a:t>V</a:t>
+            </a:r>
+            <a:r>
+              <a:rPr lang="en-US" b="1" dirty="0" err="1" smtClean="0"/>
+              <a:t>ue</a:t>
+            </a:r>
+            <a:r>
+              <a:rPr lang="en-US" b="1" dirty="0" smtClean="0"/>
+              <a:t>.</a:t>
+            </a:r>
+          </a:p>
+          <a:p>
+            <a:pPr lvl="1"/>
+            <a:endParaRPr lang="en-US" b="1" dirty="0" smtClean="0"/>
+          </a:p>
+          <a:p>
+            <a:pPr lvl="1"/>
+            <a:endParaRPr lang="en-US" sz="1600" dirty="0" smtClean="0"/>
+          </a:p>
+          <a:p>
+            <a:pPr marL="365760" lvl="1" indent="0">
               <a:buNone/>
             </a:pPr>
-            <a:endParaRPr lang="en-US" b="1" dirty="0"/>
+            <a:r>
+              <a:rPr lang="en-US" sz="1600" dirty="0" smtClean="0"/>
+              <a:t>Note: JS is no more just client side scripting language, since 2009 because of node.js</a:t>
+            </a:r>
+            <a:endParaRPr lang="en-US" sz="1600" b="1" dirty="0"/>
           </a:p>
         </p:txBody>
       </p:sp>
@@ -5705,91 +6216,36 @@
             <p:ph type="title"/>
           </p:nvPr>
         </p:nvSpPr>
-        <p:spPr/>
-        <p:txBody>
-          <a:bodyPr/>
+        <p:spPr>
+          <a:xfrm>
+            <a:off x="685800" y="1828800"/>
+            <a:ext cx="7467600" cy="2286000"/>
+          </a:xfrm>
+        </p:spPr>
+        <p:txBody>
+          <a:bodyPr>
+            <a:noAutofit/>
+          </a:bodyPr>
           <a:lstStyle/>
           <a:p>
             <a:r>
               <a:rPr lang="en-US" dirty="0" smtClean="0"/>
-              <a:t>What is node.js?</a:t>
-            </a:r>
-            <a:endParaRPr lang="en-US" dirty="0"/>
-          </a:p>
-        </p:txBody>
-      </p:sp>
-      <p:sp>
-        <p:nvSpPr>
-          <p:cNvPr id="3" name="Content Placeholder 2"/>
-          <p:cNvSpPr>
-            <a:spLocks noGrp="1"/>
-          </p:cNvSpPr>
-          <p:nvPr>
-            <p:ph sz="quarter" idx="1"/>
-          </p:nvPr>
-        </p:nvSpPr>
-        <p:spPr/>
-        <p:txBody>
-          <a:bodyPr/>
-          <a:lstStyle/>
-          <a:p>
-            <a:endParaRPr lang="en-US" dirty="0" smtClean="0"/>
-          </a:p>
-          <a:p>
-            <a:r>
+              <a:t>Then what is node.js?</a:t>
+            </a:r>
+            <a:br>
               <a:rPr lang="en-US" dirty="0" smtClean="0"/>
-              <a:t> is </a:t>
-            </a:r>
+            </a:br>
             <a:r>
               <a:rPr lang="en-US" dirty="0"/>
-              <a:t>for JavaScript running on the server</a:t>
-            </a:r>
+              <a:t/>
+            </a:r>
+            <a:br>
+              <a:rPr lang="en-US" dirty="0"/>
+            </a:br>
             <a:r>
               <a:rPr lang="en-US" dirty="0" smtClean="0"/>
-              <a:t>.</a:t>
-            </a:r>
-          </a:p>
-          <a:p>
-            <a:r>
-              <a:rPr lang="en-US" dirty="0" smtClean="0"/>
-              <a:t> is Asynchronous.</a:t>
-            </a:r>
-          </a:p>
-          <a:p>
-            <a:r>
-              <a:rPr lang="en-US" dirty="0"/>
-              <a:t> </a:t>
-            </a:r>
-            <a:r>
-              <a:rPr lang="en-US" dirty="0" smtClean="0"/>
-              <a:t>is Single Threaded.</a:t>
-            </a:r>
-          </a:p>
-          <a:p>
-            <a:r>
-              <a:rPr lang="en-US" dirty="0" smtClean="0"/>
-              <a:t> is event driven and non Blocking I/O calls.</a:t>
-            </a:r>
-          </a:p>
-          <a:p>
-            <a:endParaRPr lang="en-US" b="1" dirty="0"/>
-          </a:p>
-          <a:p>
-            <a:endParaRPr lang="en-US" dirty="0" smtClean="0"/>
-          </a:p>
-          <a:p>
-            <a:endParaRPr lang="en-US" dirty="0" smtClean="0"/>
-          </a:p>
-          <a:p>
-            <a:pPr marL="0" indent="0">
-              <a:buNone/>
-            </a:pPr>
-            <a:r>
-              <a:rPr lang="en-US" dirty="0" smtClean="0"/>
-              <a:t>These makes node extremely fast and efficient.</a:t>
-            </a:r>
-          </a:p>
-          <a:p>
+              <a:t>How it all started?</a:t>
+            </a:r>
             <a:endParaRPr lang="en-US" dirty="0"/>
           </a:p>
         </p:txBody>
@@ -5797,7 +6253,7 @@
     </p:spTree>
     <p:extLst>
       <p:ext uri="{BB962C8B-B14F-4D97-AF65-F5344CB8AC3E}">
-        <p14:creationId xmlns:p14="http://schemas.microsoft.com/office/powerpoint/2010/main" val="453127601"/>
+        <p14:creationId xmlns:p14="http://schemas.microsoft.com/office/powerpoint/2010/main" val="1007272809"/>
       </p:ext>
     </p:extLst>
   </p:cSld>
@@ -5848,84 +6304,75 @@
           <a:p>
             <a:r>
               <a:rPr lang="en-US" dirty="0" smtClean="0"/>
-              <a:t>How node.js works?</a:t>
+              <a:t>What is node.js?</a:t>
             </a:r>
             <a:endParaRPr lang="en-US" dirty="0"/>
           </a:p>
         </p:txBody>
       </p:sp>
-      <p:pic>
-        <p:nvPicPr>
-          <p:cNvPr id="2051" name="Picture 3" descr="C:\Users\lakshmikantha\Pictures\Non Blocing io.PNG"/>
-          <p:cNvPicPr>
-            <a:picLocks noChangeAspect="1" noChangeArrowheads="1"/>
-          </p:cNvPicPr>
-          <p:nvPr/>
-        </p:nvPicPr>
-        <p:blipFill>
-          <a:blip r:embed="rId2">
-            <a:extLst>
-              <a:ext uri="{28A0092B-C50C-407E-A947-70E740481C1C}">
-                <a14:useLocalDpi xmlns:a14="http://schemas.microsoft.com/office/drawing/2010/main" val="0"/>
-              </a:ext>
-            </a:extLst>
-          </a:blip>
-          <a:srcRect/>
-          <a:stretch>
-            <a:fillRect/>
-          </a:stretch>
-        </p:blipFill>
-        <p:spPr bwMode="auto">
-          <a:xfrm>
-            <a:off x="533400" y="2133600"/>
-            <a:ext cx="7335574" cy="4443412"/>
-          </a:xfrm>
-          <a:prstGeom prst="rect">
-            <a:avLst/>
-          </a:prstGeom>
-          <a:noFill/>
-          <a:extLst>
-            <a:ext uri="{909E8E84-426E-40DD-AFC4-6F175D3DCCD1}">
-              <a14:hiddenFill xmlns:a14="http://schemas.microsoft.com/office/drawing/2010/main">
-                <a:solidFill>
-                  <a:srgbClr val="FFFFFF"/>
-                </a:solidFill>
-              </a14:hiddenFill>
-            </a:ext>
-          </a:extLst>
-        </p:spPr>
-      </p:pic>
-      <p:sp>
-        <p:nvSpPr>
-          <p:cNvPr id="4" name="TextBox 3">
-            <a:hlinkClick r:id="rId3"/>
-          </p:cNvPr>
-          <p:cNvSpPr txBox="1"/>
-          <p:nvPr/>
-        </p:nvSpPr>
-        <p:spPr>
-          <a:xfrm>
-            <a:off x="540327" y="1487269"/>
-            <a:ext cx="6934200" cy="646331"/>
-          </a:xfrm>
-          <a:prstGeom prst="rect">
-            <a:avLst/>
-          </a:prstGeom>
-          <a:noFill/>
-        </p:spPr>
-        <p:txBody>
-          <a:bodyPr wrap="square" rtlCol="0">
-            <a:spAutoFit/>
+      <p:sp>
+        <p:nvSpPr>
+          <p:cNvPr id="3" name="Content Placeholder 2"/>
+          <p:cNvSpPr>
+            <a:spLocks noGrp="1"/>
+          </p:cNvSpPr>
+          <p:nvPr>
+            <p:ph sz="quarter" idx="1"/>
+          </p:nvPr>
+        </p:nvSpPr>
+        <p:spPr/>
+        <p:txBody>
+          <a:bodyPr>
+            <a:normAutofit/>
           </a:bodyPr>
           <a:lstStyle/>
           <a:p>
-            <a:r>
-              <a:rPr lang="en-US" dirty="0" smtClean="0">
-                <a:hlinkClick r:id="rId3"/>
-              </a:rPr>
-              <a:t>https://www.youtube.com/watch?v=jOupHNvDIq8</a:t>
-            </a:r>
             <a:endParaRPr lang="en-US" dirty="0" smtClean="0"/>
+          </a:p>
+          <a:p>
+            <a:r>
+              <a:rPr lang="en-US" dirty="0" smtClean="0"/>
+              <a:t>Node.js is Open Source</a:t>
+            </a:r>
+          </a:p>
+          <a:p>
+            <a:r>
+              <a:rPr lang="en-US" dirty="0" smtClean="0"/>
+              <a:t>Created by </a:t>
+            </a:r>
+            <a:r>
+              <a:rPr lang="en-US" b="1" dirty="0" smtClean="0"/>
+              <a:t>Ryan Dahl </a:t>
+            </a:r>
+            <a:r>
+              <a:rPr lang="en-US" dirty="0" smtClean="0"/>
+              <a:t>in 2009</a:t>
+            </a:r>
+          </a:p>
+          <a:p>
+            <a:r>
+              <a:rPr lang="en-US" dirty="0" smtClean="0"/>
+              <a:t>Current version </a:t>
+            </a:r>
+            <a:r>
+              <a:rPr lang="en-US" b="1" dirty="0" smtClean="0"/>
+              <a:t>v10.16.0(LTS)</a:t>
+            </a:r>
+          </a:p>
+          <a:p>
+            <a:r>
+              <a:rPr lang="en-US" dirty="0" smtClean="0"/>
+              <a:t>Node.js is built on Chrome’s v8 engine.</a:t>
+            </a:r>
+          </a:p>
+          <a:p>
+            <a:pPr marL="0" indent="0">
+              <a:buNone/>
+            </a:pPr>
+            <a:r>
+              <a:rPr lang="en-US" dirty="0" smtClean="0"/>
+              <a:t> </a:t>
+            </a:r>
           </a:p>
           <a:p>
             <a:endParaRPr lang="en-US" dirty="0"/>
@@ -5935,7 +6382,7 @@
     </p:spTree>
     <p:extLst>
       <p:ext uri="{BB962C8B-B14F-4D97-AF65-F5344CB8AC3E}">
-        <p14:creationId xmlns:p14="http://schemas.microsoft.com/office/powerpoint/2010/main" val="3231445726"/>
+        <p14:creationId xmlns:p14="http://schemas.microsoft.com/office/powerpoint/2010/main" val="453127601"/>
       </p:ext>
     </p:extLst>
   </p:cSld>
@@ -5986,7 +6433,7 @@
           <a:p>
             <a:r>
               <a:rPr lang="en-US" dirty="0" smtClean="0"/>
-              <a:t>What can we build with node.js?</a:t>
+              <a:t>What is node.js?</a:t>
             </a:r>
             <a:endParaRPr lang="en-US" dirty="0"/>
           </a:p>
@@ -6004,43 +6451,10 @@
         </p:nvSpPr>
         <p:spPr/>
         <p:txBody>
-          <a:bodyPr/>
-          <a:lstStyle/>
-          <a:p>
-            <a:endParaRPr lang="en-US" dirty="0" smtClean="0"/>
-          </a:p>
-          <a:p>
-            <a:r>
-              <a:rPr lang="en-US" dirty="0" smtClean="0"/>
-              <a:t>Rest APIs &amp; Backed Applications</a:t>
-            </a:r>
-          </a:p>
-          <a:p>
-            <a:r>
-              <a:rPr lang="en-US" dirty="0" smtClean="0"/>
-              <a:t>Real-Time Services (Chat, Games .</a:t>
-            </a:r>
-            <a:r>
-              <a:rPr lang="en-US" dirty="0" err="1" smtClean="0"/>
-              <a:t>etc</a:t>
-            </a:r>
-            <a:r>
-              <a:rPr lang="en-US" dirty="0" smtClean="0"/>
-              <a:t>)</a:t>
-            </a:r>
-          </a:p>
-          <a:p>
-            <a:r>
-              <a:rPr lang="en-US" dirty="0" smtClean="0"/>
-              <a:t>Blogs, CMS, Social applications.</a:t>
-            </a:r>
-          </a:p>
-          <a:p>
-            <a:r>
-              <a:rPr lang="en-US" dirty="0" smtClean="0"/>
-              <a:t>Utilities and Tools.</a:t>
-            </a:r>
-          </a:p>
+          <a:bodyPr>
+            <a:normAutofit/>
+          </a:bodyPr>
+          <a:lstStyle/>
           <a:p>
             <a:pPr marL="0" indent="0">
               <a:buNone/>
@@ -6048,6 +6462,59 @@
             <a:endParaRPr lang="en-US" dirty="0" smtClean="0"/>
           </a:p>
           <a:p>
+            <a:r>
+              <a:rPr lang="en-US" dirty="0" smtClean="0"/>
+              <a:t> is for JavaScript running on the server.</a:t>
+            </a:r>
+          </a:p>
+          <a:p>
+            <a:r>
+              <a:rPr lang="en-US" dirty="0" smtClean="0"/>
+              <a:t> is Single Threaded.</a:t>
+            </a:r>
+          </a:p>
+          <a:p>
+            <a:r>
+              <a:rPr lang="en-US" dirty="0" smtClean="0"/>
+              <a:t> is </a:t>
+            </a:r>
+            <a:r>
+              <a:rPr lang="en-US" dirty="0"/>
+              <a:t>Asynchronous.</a:t>
+            </a:r>
+            <a:endParaRPr lang="en-US" dirty="0" smtClean="0"/>
+          </a:p>
+          <a:p>
+            <a:r>
+              <a:rPr lang="en-US" dirty="0" smtClean="0"/>
+              <a:t> is event driven and non Blocking.</a:t>
+            </a:r>
+          </a:p>
+          <a:p>
+            <a:r>
+              <a:rPr lang="en-US" dirty="0" smtClean="0"/>
+              <a:t> is V8+APIs+EventQ+EventLoop</a:t>
+            </a:r>
+          </a:p>
+          <a:p>
+            <a:endParaRPr lang="en-US" dirty="0"/>
+          </a:p>
+          <a:p>
+            <a:pPr marL="0" indent="0">
+              <a:buNone/>
+            </a:pPr>
+            <a:r>
+              <a:rPr lang="en-US" sz="1800" dirty="0">
+                <a:hlinkClick r:id="rId2"/>
+              </a:rPr>
+              <a:t>https://www.youtube.com/watch?v=jOupHNvDIq8</a:t>
+            </a:r>
+            <a:endParaRPr lang="en-US" sz="1800" dirty="0"/>
+          </a:p>
+          <a:p>
+            <a:endParaRPr lang="en-US" dirty="0" smtClean="0"/>
+          </a:p>
+          <a:p>
             <a:pPr marL="0" indent="0">
               <a:buNone/>
             </a:pPr>
@@ -6057,10 +6524,9 @@
             <a:pPr marL="0" indent="0">
               <a:buNone/>
             </a:pPr>
-            <a:r>
-              <a:rPr lang="en-US" dirty="0" smtClean="0"/>
-              <a:t>	So Build anything that is not CPU intensive.</a:t>
-            </a:r>
+            <a:endParaRPr lang="en-US" dirty="0" smtClean="0"/>
+          </a:p>
+          <a:p>
             <a:endParaRPr lang="en-US" dirty="0"/>
           </a:p>
         </p:txBody>
@@ -6068,7 +6534,7 @@
     </p:spTree>
     <p:extLst>
       <p:ext uri="{BB962C8B-B14F-4D97-AF65-F5344CB8AC3E}">
-        <p14:creationId xmlns:p14="http://schemas.microsoft.com/office/powerpoint/2010/main" val="1902273710"/>
+        <p14:creationId xmlns:p14="http://schemas.microsoft.com/office/powerpoint/2010/main" val="2021210219"/>
       </p:ext>
     </p:extLst>
   </p:cSld>
@@ -6104,61 +6570,32 @@
       </p:grpSpPr>
       <p:sp>
         <p:nvSpPr>
-          <p:cNvPr id="3" name="Content Placeholder 2"/>
-          <p:cNvSpPr>
-            <a:spLocks noGrp="1"/>
-          </p:cNvSpPr>
-          <p:nvPr>
-            <p:ph sz="quarter" idx="1"/>
-          </p:nvPr>
-        </p:nvSpPr>
-        <p:spPr>
-          <a:xfrm>
-            <a:off x="609600" y="838200"/>
-            <a:ext cx="7467600" cy="4873752"/>
-          </a:xfrm>
-        </p:spPr>
+          <p:cNvPr id="2" name="Title 1"/>
+          <p:cNvSpPr>
+            <a:spLocks noGrp="1"/>
+          </p:cNvSpPr>
+          <p:nvPr>
+            <p:ph type="title"/>
+          </p:nvPr>
+        </p:nvSpPr>
+        <p:spPr/>
         <p:txBody>
           <a:bodyPr/>
           <a:lstStyle/>
           <a:p>
-            <a:endParaRPr lang="en-US" dirty="0" smtClean="0"/>
-          </a:p>
-          <a:p>
+            <a:r>
+              <a:rPr lang="en-US" dirty="0" smtClean="0"/>
+              <a:t>The Architecture</a:t>
+            </a:r>
             <a:endParaRPr lang="en-US" dirty="0"/>
-          </a:p>
-          <a:p>
-            <a:endParaRPr lang="en-US" dirty="0" smtClean="0"/>
-          </a:p>
-          <a:p>
-            <a:pPr marL="0" indent="0">
-              <a:buNone/>
-            </a:pPr>
-            <a:r>
-              <a:rPr lang="en-US" dirty="0" smtClean="0"/>
-              <a:t> 		</a:t>
-            </a:r>
-            <a:r>
-              <a:rPr lang="en-US" sz="3200" dirty="0" smtClean="0">
-                <a:latin typeface="Arial Unicode MS" pitchFamily="34" charset="-128"/>
-                <a:ea typeface="Arial Unicode MS" pitchFamily="34" charset="-128"/>
-                <a:cs typeface="Arial Unicode MS" pitchFamily="34" charset="-128"/>
-              </a:rPr>
-              <a:t>Lets write some code</a:t>
-            </a:r>
-            <a:endParaRPr lang="en-US" sz="3200" dirty="0">
-              <a:latin typeface="Arial Unicode MS" pitchFamily="34" charset="-128"/>
-              <a:ea typeface="Arial Unicode MS" pitchFamily="34" charset="-128"/>
-              <a:cs typeface="Arial Unicode MS" pitchFamily="34" charset="-128"/>
-            </a:endParaRPr>
           </a:p>
         </p:txBody>
       </p:sp>
       <p:pic>
         <p:nvPicPr>
-          <p:cNvPr id="3074" name="Picture 2" descr="C:\Users\lakshmikantha\Pictures\0636.careless craig.gif"/>
+          <p:cNvPr id="3" name="Picture 2"/>
           <p:cNvPicPr>
-            <a:picLocks noChangeAspect="1" noChangeArrowheads="1" noCrop="1"/>
+            <a:picLocks noChangeAspect="1"/>
           </p:cNvPicPr>
           <p:nvPr/>
         </p:nvPicPr>
@@ -6170,63 +6607,24 @@
               </a:ext>
             </a:extLst>
           </a:blip>
-          <a:srcRect/>
           <a:stretch>
             <a:fillRect/>
           </a:stretch>
         </p:blipFill>
-        <p:spPr bwMode="auto">
-          <a:xfrm>
-            <a:off x="2098964" y="3036599"/>
-            <a:ext cx="4572000" cy="2571750"/>
+        <p:spPr>
+          <a:xfrm>
+            <a:off x="457200" y="1524000"/>
+            <a:ext cx="7696200" cy="5181600"/>
           </a:xfrm>
           <a:prstGeom prst="rect">
             <a:avLst/>
           </a:prstGeom>
-          <a:noFill/>
-          <a:extLst>
-            <a:ext uri="{909E8E84-426E-40DD-AFC4-6F175D3DCCD1}">
-              <a14:hiddenFill xmlns:a14="http://schemas.microsoft.com/office/drawing/2010/main">
-                <a:solidFill>
-                  <a:srgbClr val="FFFFFF"/>
-                </a:solidFill>
-              </a14:hiddenFill>
-            </a:ext>
-          </a:extLst>
         </p:spPr>
       </p:pic>
-      <p:sp>
-        <p:nvSpPr>
-          <p:cNvPr id="6" name="Title 1"/>
-          <p:cNvSpPr>
-            <a:spLocks noGrp="1"/>
-          </p:cNvSpPr>
-          <p:nvPr>
-            <p:ph type="title"/>
-          </p:nvPr>
-        </p:nvSpPr>
-        <p:spPr>
-          <a:xfrm>
-            <a:off x="457200" y="274638"/>
-            <a:ext cx="7467600" cy="1143000"/>
-          </a:xfrm>
-        </p:spPr>
-        <p:txBody>
-          <a:bodyPr/>
-          <a:lstStyle/>
-          <a:p>
-            <a:r>
-              <a:rPr lang="en-US" dirty="0" smtClean="0"/>
-              <a:t>Node in action.</a:t>
-            </a:r>
-            <a:endParaRPr lang="en-US" dirty="0"/>
-          </a:p>
-        </p:txBody>
-      </p:sp>
     </p:spTree>
     <p:extLst>
       <p:ext uri="{BB962C8B-B14F-4D97-AF65-F5344CB8AC3E}">
-        <p14:creationId xmlns:p14="http://schemas.microsoft.com/office/powerpoint/2010/main" val="3676839821"/>
+        <p14:creationId xmlns:p14="http://schemas.microsoft.com/office/powerpoint/2010/main" val="3231445726"/>
       </p:ext>
     </p:extLst>
   </p:cSld>
@@ -6270,14 +6668,23 @@
             <p:ph type="title"/>
           </p:nvPr>
         </p:nvSpPr>
-        <p:spPr/>
+        <p:spPr>
+          <a:xfrm>
+            <a:off x="457200" y="260784"/>
+            <a:ext cx="7467600" cy="1143000"/>
+          </a:xfrm>
+        </p:spPr>
         <p:txBody>
           <a:bodyPr/>
           <a:lstStyle/>
           <a:p>
             <a:r>
+              <a:rPr lang="en-US" dirty="0" err="1" smtClean="0"/>
+              <a:t>Globals</a:t>
+            </a:r>
+            <a:r>
               <a:rPr lang="en-US" dirty="0" smtClean="0"/>
-              <a:t>Node in action</a:t>
+              <a:t> in NODE.js</a:t>
             </a:r>
             <a:endParaRPr lang="en-US" dirty="0"/>
           </a:p>
@@ -6293,52 +6700,521 @@
             <p:ph sz="quarter" idx="1"/>
           </p:nvPr>
         </p:nvSpPr>
-        <p:spPr/>
+        <p:spPr>
+          <a:xfrm>
+            <a:off x="471055" y="1918854"/>
+            <a:ext cx="3124200" cy="2590800"/>
+          </a:xfrm>
+        </p:spPr>
         <p:txBody>
           <a:bodyPr/>
           <a:lstStyle/>
           <a:p>
             <a:r>
               <a:rPr lang="en-US" dirty="0" smtClean="0"/>
-              <a:t>Using CLI</a:t>
-            </a:r>
-          </a:p>
-          <a:p>
-            <a:pPr lvl="1"/>
+              <a:t>global</a:t>
+            </a:r>
+          </a:p>
+          <a:p>
             <a:r>
               <a:rPr lang="en-US" dirty="0" smtClean="0"/>
-              <a:t>Log to console.</a:t>
-            </a:r>
-          </a:p>
-          <a:p>
-            <a:pPr lvl="1"/>
+              <a:t>console</a:t>
+            </a:r>
+          </a:p>
+          <a:p>
+            <a:r>
+              <a:rPr lang="en-US" dirty="0"/>
+              <a:t>p</a:t>
+            </a:r>
             <a:r>
               <a:rPr lang="en-US" dirty="0" smtClean="0"/>
-              <a:t>Hello world app.</a:t>
-            </a:r>
-            <a:endParaRPr lang="en-US" dirty="0"/>
-          </a:p>
-          <a:p>
+              <a:t>rocess</a:t>
+            </a:r>
+          </a:p>
+          <a:p>
+            <a:r>
+              <a:rPr lang="en-US" dirty="0" smtClean="0"/>
+              <a:t>Buffer</a:t>
+            </a:r>
+          </a:p>
+          <a:p>
+            <a:r>
+              <a:rPr lang="en-US" dirty="0" err="1" smtClean="0"/>
+              <a:t>setTimeout</a:t>
+            </a:r>
             <a:endParaRPr lang="en-US" dirty="0" smtClean="0"/>
           </a:p>
           <a:p>
+            <a:endParaRPr lang="en-US" dirty="0" smtClean="0"/>
+          </a:p>
+        </p:txBody>
+      </p:sp>
+      <p:sp>
+        <p:nvSpPr>
+          <p:cNvPr id="6" name="Content Placeholder 2"/>
+          <p:cNvSpPr txBox="1">
+            <a:spLocks/>
+          </p:cNvSpPr>
+          <p:nvPr/>
+        </p:nvSpPr>
+        <p:spPr>
+          <a:xfrm>
+            <a:off x="4648200" y="1905000"/>
+            <a:ext cx="3124200" cy="2590800"/>
+          </a:xfrm>
+          <a:prstGeom prst="rect">
+            <a:avLst/>
+          </a:prstGeom>
+        </p:spPr>
+        <p:txBody>
+          <a:bodyPr vert="horz">
+            <a:normAutofit/>
+          </a:bodyPr>
+          <a:lstStyle>
+            <a:lvl1pPr marL="274320" indent="-274320" algn="l" rtl="0" eaLnBrk="1" latinLnBrk="0" hangingPunct="1">
+              <a:spcBef>
+                <a:spcPts val="600"/>
+              </a:spcBef>
+              <a:buClr>
+                <a:schemeClr val="accent1"/>
+              </a:buClr>
+              <a:buSzPct val="70000"/>
+              <a:buFont typeface="Wingdings"/>
+              <a:buChar char=""/>
+              <a:defRPr kumimoji="0" sz="2400" kern="1200">
+                <a:solidFill>
+                  <a:schemeClr val="tx1"/>
+                </a:solidFill>
+                <a:latin typeface="+mn-lt"/>
+                <a:ea typeface="+mn-ea"/>
+                <a:cs typeface="+mn-cs"/>
+              </a:defRPr>
+            </a:lvl1pPr>
+            <a:lvl2pPr marL="640080" indent="-274320" algn="l" rtl="0" eaLnBrk="1" latinLnBrk="0" hangingPunct="1">
+              <a:spcBef>
+                <a:spcPct val="20000"/>
+              </a:spcBef>
+              <a:buClr>
+                <a:schemeClr val="accent1"/>
+              </a:buClr>
+              <a:buSzPct val="80000"/>
+              <a:buFont typeface="Wingdings 2"/>
+              <a:buChar char=""/>
+              <a:defRPr kumimoji="0" sz="2100" kern="1200">
+                <a:solidFill>
+                  <a:schemeClr val="tx1"/>
+                </a:solidFill>
+                <a:latin typeface="+mn-lt"/>
+                <a:ea typeface="+mn-ea"/>
+                <a:cs typeface="+mn-cs"/>
+              </a:defRPr>
+            </a:lvl2pPr>
+            <a:lvl3pPr marL="914400" indent="-182880" algn="l" rtl="0" eaLnBrk="1" latinLnBrk="0" hangingPunct="1">
+              <a:spcBef>
+                <a:spcPct val="20000"/>
+              </a:spcBef>
+              <a:buClr>
+                <a:schemeClr val="accent1">
+                  <a:shade val="75000"/>
+                </a:schemeClr>
+              </a:buClr>
+              <a:buSzPct val="60000"/>
+              <a:buFont typeface="Wingdings"/>
+              <a:buChar char=""/>
+              <a:defRPr kumimoji="0" sz="1800" kern="1200">
+                <a:solidFill>
+                  <a:schemeClr val="tx1"/>
+                </a:solidFill>
+                <a:latin typeface="+mn-lt"/>
+                <a:ea typeface="+mn-ea"/>
+                <a:cs typeface="+mn-cs"/>
+              </a:defRPr>
+            </a:lvl3pPr>
+            <a:lvl4pPr marL="1188720" indent="-182880" algn="l" rtl="0" eaLnBrk="1" latinLnBrk="0" hangingPunct="1">
+              <a:spcBef>
+                <a:spcPct val="20000"/>
+              </a:spcBef>
+              <a:buClr>
+                <a:schemeClr val="accent1">
+                  <a:tint val="60000"/>
+                </a:schemeClr>
+              </a:buClr>
+              <a:buSzPct val="60000"/>
+              <a:buFont typeface="Wingdings"/>
+              <a:buChar char=""/>
+              <a:defRPr kumimoji="0" sz="1800" kern="1200">
+                <a:solidFill>
+                  <a:schemeClr val="tx1"/>
+                </a:solidFill>
+                <a:latin typeface="+mn-lt"/>
+                <a:ea typeface="+mn-ea"/>
+                <a:cs typeface="+mn-cs"/>
+              </a:defRPr>
+            </a:lvl4pPr>
+            <a:lvl5pPr marL="1463040" indent="-182880" algn="l" rtl="0" eaLnBrk="1" latinLnBrk="0" hangingPunct="1">
+              <a:spcBef>
+                <a:spcPct val="20000"/>
+              </a:spcBef>
+              <a:buClr>
+                <a:schemeClr val="accent2">
+                  <a:tint val="60000"/>
+                </a:schemeClr>
+              </a:buClr>
+              <a:buSzPct val="68000"/>
+              <a:buFont typeface="Wingdings 2"/>
+              <a:buChar char=""/>
+              <a:defRPr kumimoji="0" sz="1600" kern="1200">
+                <a:solidFill>
+                  <a:schemeClr val="tx1"/>
+                </a:solidFill>
+                <a:latin typeface="+mn-lt"/>
+                <a:ea typeface="+mn-ea"/>
+                <a:cs typeface="+mn-cs"/>
+              </a:defRPr>
+            </a:lvl5pPr>
+            <a:lvl6pPr marL="1737360" indent="-182880" algn="l" rtl="0" eaLnBrk="1" latinLnBrk="0" hangingPunct="1">
+              <a:spcBef>
+                <a:spcPct val="20000"/>
+              </a:spcBef>
+              <a:buClr>
+                <a:schemeClr val="accent1"/>
+              </a:buClr>
+              <a:buChar char="•"/>
+              <a:defRPr kumimoji="0" sz="1600" kern="1200">
+                <a:solidFill>
+                  <a:schemeClr val="tx2"/>
+                </a:solidFill>
+                <a:latin typeface="+mn-lt"/>
+                <a:ea typeface="+mn-ea"/>
+                <a:cs typeface="+mn-cs"/>
+              </a:defRPr>
+            </a:lvl6pPr>
+            <a:lvl7pPr marL="2011680" indent="-182880" algn="l" rtl="0" eaLnBrk="1" latinLnBrk="0" hangingPunct="1">
+              <a:spcBef>
+                <a:spcPct val="20000"/>
+              </a:spcBef>
+              <a:buClr>
+                <a:schemeClr val="accent1">
+                  <a:tint val="60000"/>
+                </a:schemeClr>
+              </a:buClr>
+              <a:buSzPct val="60000"/>
+              <a:buFont typeface="Wingdings"/>
+              <a:buChar char=""/>
+              <a:defRPr kumimoji="0" sz="1400" kern="1200" baseline="0">
+                <a:solidFill>
+                  <a:schemeClr val="tx2"/>
+                </a:solidFill>
+                <a:latin typeface="+mn-lt"/>
+                <a:ea typeface="+mn-ea"/>
+                <a:cs typeface="+mn-cs"/>
+              </a:defRPr>
+            </a:lvl7pPr>
+            <a:lvl8pPr marL="2286000" indent="-182880" algn="l" rtl="0" eaLnBrk="1" latinLnBrk="0" hangingPunct="1">
+              <a:spcBef>
+                <a:spcPct val="20000"/>
+              </a:spcBef>
+              <a:buClr>
+                <a:schemeClr val="accent2"/>
+              </a:buClr>
+              <a:buChar char="•"/>
+              <a:defRPr kumimoji="0" sz="1400" kern="1200" cap="small" baseline="0">
+                <a:solidFill>
+                  <a:schemeClr val="tx2"/>
+                </a:solidFill>
+                <a:latin typeface="+mn-lt"/>
+                <a:ea typeface="+mn-ea"/>
+                <a:cs typeface="+mn-cs"/>
+              </a:defRPr>
+            </a:lvl8pPr>
+            <a:lvl9pPr marL="2560320" indent="-182880" algn="l" rtl="0" eaLnBrk="1" latinLnBrk="0" hangingPunct="1">
+              <a:spcBef>
+                <a:spcPct val="20000"/>
+              </a:spcBef>
+              <a:buClr>
+                <a:schemeClr val="accent1">
+                  <a:shade val="75000"/>
+                </a:schemeClr>
+              </a:buClr>
+              <a:buChar char="•"/>
+              <a:defRPr kumimoji="0" sz="1400" kern="1200" baseline="0">
+                <a:solidFill>
+                  <a:schemeClr val="tx2"/>
+                </a:solidFill>
+                <a:latin typeface="+mn-lt"/>
+                <a:ea typeface="+mn-ea"/>
+                <a:cs typeface="+mn-cs"/>
+              </a:defRPr>
+            </a:lvl9pPr>
+          </a:lstStyle>
+          <a:p>
+            <a:r>
+              <a:rPr lang="en-US" dirty="0" err="1" smtClean="0"/>
+              <a:t>clearTimeout</a:t>
+            </a:r>
+            <a:endParaRPr lang="en-US" dirty="0" smtClean="0"/>
+          </a:p>
+          <a:p>
+            <a:r>
+              <a:rPr lang="en-US" dirty="0" err="1" smtClean="0"/>
+              <a:t>setInterval</a:t>
+            </a:r>
+            <a:endParaRPr lang="en-US" dirty="0" smtClean="0"/>
+          </a:p>
+          <a:p>
+            <a:r>
+              <a:rPr lang="en-US" dirty="0" err="1" smtClean="0"/>
+              <a:t>clearInterval</a:t>
+            </a:r>
+            <a:endParaRPr lang="en-US" dirty="0" smtClean="0"/>
+          </a:p>
+          <a:p>
+            <a:r>
+              <a:rPr lang="en-US" dirty="0" err="1" smtClean="0"/>
+              <a:t>setImmediate</a:t>
+            </a:r>
+            <a:endParaRPr lang="en-US" dirty="0" smtClean="0"/>
+          </a:p>
+          <a:p>
+            <a:r>
+              <a:rPr lang="en-US" dirty="0" err="1" smtClean="0"/>
+              <a:t>clearImmediate</a:t>
+            </a:r>
+            <a:endParaRPr lang="en-US" dirty="0" smtClean="0"/>
+          </a:p>
+          <a:p>
+            <a:endParaRPr lang="en-US" dirty="0" smtClean="0"/>
+          </a:p>
+          <a:p>
+            <a:endParaRPr lang="en-US" dirty="0" smtClean="0"/>
+          </a:p>
+        </p:txBody>
+      </p:sp>
+      <p:sp>
+        <p:nvSpPr>
+          <p:cNvPr id="7" name="Content Placeholder 2"/>
+          <p:cNvSpPr txBox="1">
+            <a:spLocks/>
+          </p:cNvSpPr>
+          <p:nvPr/>
+        </p:nvSpPr>
+        <p:spPr>
+          <a:xfrm>
+            <a:off x="838200" y="5334000"/>
+            <a:ext cx="7315200" cy="1066800"/>
+          </a:xfrm>
+          <a:prstGeom prst="rect">
+            <a:avLst/>
+          </a:prstGeom>
+        </p:spPr>
+        <p:txBody>
+          <a:bodyPr vert="horz">
+            <a:normAutofit/>
+          </a:bodyPr>
+          <a:lstStyle>
+            <a:lvl1pPr marL="274320" indent="-274320" algn="l" rtl="0" eaLnBrk="1" latinLnBrk="0" hangingPunct="1">
+              <a:spcBef>
+                <a:spcPts val="600"/>
+              </a:spcBef>
+              <a:buClr>
+                <a:schemeClr val="accent1"/>
+              </a:buClr>
+              <a:buSzPct val="70000"/>
+              <a:buFont typeface="Wingdings"/>
+              <a:buChar char=""/>
+              <a:defRPr kumimoji="0" sz="2400" kern="1200">
+                <a:solidFill>
+                  <a:schemeClr val="tx1"/>
+                </a:solidFill>
+                <a:latin typeface="+mn-lt"/>
+                <a:ea typeface="+mn-ea"/>
+                <a:cs typeface="+mn-cs"/>
+              </a:defRPr>
+            </a:lvl1pPr>
+            <a:lvl2pPr marL="640080" indent="-274320" algn="l" rtl="0" eaLnBrk="1" latinLnBrk="0" hangingPunct="1">
+              <a:spcBef>
+                <a:spcPct val="20000"/>
+              </a:spcBef>
+              <a:buClr>
+                <a:schemeClr val="accent1"/>
+              </a:buClr>
+              <a:buSzPct val="80000"/>
+              <a:buFont typeface="Wingdings 2"/>
+              <a:buChar char=""/>
+              <a:defRPr kumimoji="0" sz="2100" kern="1200">
+                <a:solidFill>
+                  <a:schemeClr val="tx1"/>
+                </a:solidFill>
+                <a:latin typeface="+mn-lt"/>
+                <a:ea typeface="+mn-ea"/>
+                <a:cs typeface="+mn-cs"/>
+              </a:defRPr>
+            </a:lvl2pPr>
+            <a:lvl3pPr marL="914400" indent="-182880" algn="l" rtl="0" eaLnBrk="1" latinLnBrk="0" hangingPunct="1">
+              <a:spcBef>
+                <a:spcPct val="20000"/>
+              </a:spcBef>
+              <a:buClr>
+                <a:schemeClr val="accent1">
+                  <a:shade val="75000"/>
+                </a:schemeClr>
+              </a:buClr>
+              <a:buSzPct val="60000"/>
+              <a:buFont typeface="Wingdings"/>
+              <a:buChar char=""/>
+              <a:defRPr kumimoji="0" sz="1800" kern="1200">
+                <a:solidFill>
+                  <a:schemeClr val="tx1"/>
+                </a:solidFill>
+                <a:latin typeface="+mn-lt"/>
+                <a:ea typeface="+mn-ea"/>
+                <a:cs typeface="+mn-cs"/>
+              </a:defRPr>
+            </a:lvl3pPr>
+            <a:lvl4pPr marL="1188720" indent="-182880" algn="l" rtl="0" eaLnBrk="1" latinLnBrk="0" hangingPunct="1">
+              <a:spcBef>
+                <a:spcPct val="20000"/>
+              </a:spcBef>
+              <a:buClr>
+                <a:schemeClr val="accent1">
+                  <a:tint val="60000"/>
+                </a:schemeClr>
+              </a:buClr>
+              <a:buSzPct val="60000"/>
+              <a:buFont typeface="Wingdings"/>
+              <a:buChar char=""/>
+              <a:defRPr kumimoji="0" sz="1800" kern="1200">
+                <a:solidFill>
+                  <a:schemeClr val="tx1"/>
+                </a:solidFill>
+                <a:latin typeface="+mn-lt"/>
+                <a:ea typeface="+mn-ea"/>
+                <a:cs typeface="+mn-cs"/>
+              </a:defRPr>
+            </a:lvl4pPr>
+            <a:lvl5pPr marL="1463040" indent="-182880" algn="l" rtl="0" eaLnBrk="1" latinLnBrk="0" hangingPunct="1">
+              <a:spcBef>
+                <a:spcPct val="20000"/>
+              </a:spcBef>
+              <a:buClr>
+                <a:schemeClr val="accent2">
+                  <a:tint val="60000"/>
+                </a:schemeClr>
+              </a:buClr>
+              <a:buSzPct val="68000"/>
+              <a:buFont typeface="Wingdings 2"/>
+              <a:buChar char=""/>
+              <a:defRPr kumimoji="0" sz="1600" kern="1200">
+                <a:solidFill>
+                  <a:schemeClr val="tx1"/>
+                </a:solidFill>
+                <a:latin typeface="+mn-lt"/>
+                <a:ea typeface="+mn-ea"/>
+                <a:cs typeface="+mn-cs"/>
+              </a:defRPr>
+            </a:lvl5pPr>
+            <a:lvl6pPr marL="1737360" indent="-182880" algn="l" rtl="0" eaLnBrk="1" latinLnBrk="0" hangingPunct="1">
+              <a:spcBef>
+                <a:spcPct val="20000"/>
+              </a:spcBef>
+              <a:buClr>
+                <a:schemeClr val="accent1"/>
+              </a:buClr>
+              <a:buChar char="•"/>
+              <a:defRPr kumimoji="0" sz="1600" kern="1200">
+                <a:solidFill>
+                  <a:schemeClr val="tx2"/>
+                </a:solidFill>
+                <a:latin typeface="+mn-lt"/>
+                <a:ea typeface="+mn-ea"/>
+                <a:cs typeface="+mn-cs"/>
+              </a:defRPr>
+            </a:lvl6pPr>
+            <a:lvl7pPr marL="2011680" indent="-182880" algn="l" rtl="0" eaLnBrk="1" latinLnBrk="0" hangingPunct="1">
+              <a:spcBef>
+                <a:spcPct val="20000"/>
+              </a:spcBef>
+              <a:buClr>
+                <a:schemeClr val="accent1">
+                  <a:tint val="60000"/>
+                </a:schemeClr>
+              </a:buClr>
+              <a:buSzPct val="60000"/>
+              <a:buFont typeface="Wingdings"/>
+              <a:buChar char=""/>
+              <a:defRPr kumimoji="0" sz="1400" kern="1200" baseline="0">
+                <a:solidFill>
+                  <a:schemeClr val="tx2"/>
+                </a:solidFill>
+                <a:latin typeface="+mn-lt"/>
+                <a:ea typeface="+mn-ea"/>
+                <a:cs typeface="+mn-cs"/>
+              </a:defRPr>
+            </a:lvl7pPr>
+            <a:lvl8pPr marL="2286000" indent="-182880" algn="l" rtl="0" eaLnBrk="1" latinLnBrk="0" hangingPunct="1">
+              <a:spcBef>
+                <a:spcPct val="20000"/>
+              </a:spcBef>
+              <a:buClr>
+                <a:schemeClr val="accent2"/>
+              </a:buClr>
+              <a:buChar char="•"/>
+              <a:defRPr kumimoji="0" sz="1400" kern="1200" cap="small" baseline="0">
+                <a:solidFill>
+                  <a:schemeClr val="tx2"/>
+                </a:solidFill>
+                <a:latin typeface="+mn-lt"/>
+                <a:ea typeface="+mn-ea"/>
+                <a:cs typeface="+mn-cs"/>
+              </a:defRPr>
+            </a:lvl8pPr>
+            <a:lvl9pPr marL="2560320" indent="-182880" algn="l" rtl="0" eaLnBrk="1" latinLnBrk="0" hangingPunct="1">
+              <a:spcBef>
+                <a:spcPct val="20000"/>
+              </a:spcBef>
+              <a:buClr>
+                <a:schemeClr val="accent1">
+                  <a:shade val="75000"/>
+                </a:schemeClr>
+              </a:buClr>
+              <a:buChar char="•"/>
+              <a:defRPr kumimoji="0" sz="1400" kern="1200" baseline="0">
+                <a:solidFill>
+                  <a:schemeClr val="tx2"/>
+                </a:solidFill>
+                <a:latin typeface="+mn-lt"/>
+                <a:ea typeface="+mn-ea"/>
+                <a:cs typeface="+mn-cs"/>
+              </a:defRPr>
+            </a:lvl9pPr>
+          </a:lstStyle>
+          <a:p>
+            <a:pPr marL="0" indent="0">
+              <a:buNone/>
+            </a:pPr>
+            <a:r>
+              <a:rPr lang="en-US" b="1" dirty="0" smtClean="0"/>
+              <a:t>NOTE:</a:t>
+            </a:r>
             <a:r>
               <a:rPr lang="en-US" dirty="0" smtClean="0"/>
-              <a:t>Using index.js</a:t>
-            </a:r>
-          </a:p>
-          <a:p>
-            <a:pPr lvl="1"/>
+              <a:t> exports, require, module, __</a:t>
+            </a:r>
+            <a:r>
+              <a:rPr lang="en-US" dirty="0" err="1" smtClean="0"/>
+              <a:t>dirname</a:t>
+            </a:r>
             <a:r>
               <a:rPr lang="en-US" dirty="0" smtClean="0"/>
-              <a:t>Simple http server.</a:t>
-            </a:r>
-          </a:p>
-          <a:p>
-            <a:pPr lvl="1"/>
+              <a:t>, __filename are </a:t>
+            </a:r>
+            <a:r>
+              <a:rPr lang="en-US" b="1" dirty="0" smtClean="0"/>
+              <a:t>not</a:t>
+            </a:r>
             <a:r>
               <a:rPr lang="en-US" dirty="0" smtClean="0"/>
-              <a:t>Rest end point (without express).</a:t>
+              <a:t> global.</a:t>
             </a:r>
           </a:p>
         </p:txBody>
@@ -6346,7 +7222,7 @@
     </p:spTree>
     <p:extLst>
       <p:ext uri="{BB962C8B-B14F-4D97-AF65-F5344CB8AC3E}">
-        <p14:creationId xmlns:p14="http://schemas.microsoft.com/office/powerpoint/2010/main" val="3043209829"/>
+        <p14:creationId xmlns:p14="http://schemas.microsoft.com/office/powerpoint/2010/main" val="2637039320"/>
       </p:ext>
     </p:extLst>
   </p:cSld>
@@ -6397,114 +7273,117 @@
           <a:p>
             <a:r>
               <a:rPr lang="en-US" dirty="0" smtClean="0"/>
-              <a:t>NPM</a:t>
-            </a:r>
-            <a:endParaRPr lang="en-US" dirty="0"/>
-          </a:p>
-        </p:txBody>
-      </p:sp>
-      <p:sp>
-        <p:nvSpPr>
-          <p:cNvPr id="3" name="Content Placeholder 2"/>
-          <p:cNvSpPr>
-            <a:spLocks noGrp="1"/>
-          </p:cNvSpPr>
-          <p:nvPr>
-            <p:ph sz="quarter" idx="1"/>
-          </p:nvPr>
-        </p:nvSpPr>
-        <p:spPr/>
-        <p:txBody>
-          <a:bodyPr/>
-          <a:lstStyle/>
-          <a:p>
+              <a:t>Modules </a:t>
+            </a:r>
             <a:r>
               <a:rPr lang="en-US" dirty="0" smtClean="0"/>
-              <a:t>Node package manager</a:t>
-            </a:r>
-          </a:p>
-          <a:p>
-            <a:r>
-              <a:rPr lang="en-US" dirty="0" smtClean="0"/>
-              <a:t>Bundled with node.</a:t>
-            </a:r>
-          </a:p>
-          <a:p>
-            <a:r>
-              <a:rPr lang="en-US" dirty="0" err="1" smtClean="0"/>
-              <a:t>Package.json</a:t>
-            </a:r>
-            <a:endParaRPr lang="en-US" dirty="0" smtClean="0"/>
-          </a:p>
-          <a:p>
-            <a:endParaRPr lang="en-US" dirty="0"/>
-          </a:p>
-          <a:p>
-            <a:r>
-              <a:rPr lang="en-US" dirty="0" smtClean="0"/>
-              <a:t>Command : </a:t>
-            </a:r>
-            <a:r>
-              <a:rPr lang="en-US" dirty="0" err="1" smtClean="0"/>
-              <a:t>npm</a:t>
+              <a:t>system in</a:t>
             </a:r>
             <a:r>
               <a:rPr lang="en-US" dirty="0" smtClean="0"/>
               <a:t> </a:t>
             </a:r>
             <a:r>
+              <a:rPr lang="en-US" dirty="0" smtClean="0"/>
+              <a:t>Node.js</a:t>
+            </a:r>
+            <a:endParaRPr lang="en-US" dirty="0"/>
+          </a:p>
+        </p:txBody>
+      </p:sp>
+      <p:sp>
+        <p:nvSpPr>
+          <p:cNvPr id="3" name="Content Placeholder 2"/>
+          <p:cNvSpPr>
+            <a:spLocks noGrp="1"/>
+          </p:cNvSpPr>
+          <p:nvPr>
+            <p:ph sz="quarter" idx="1"/>
+          </p:nvPr>
+        </p:nvSpPr>
+        <p:spPr/>
+        <p:txBody>
+          <a:bodyPr/>
+          <a:lstStyle/>
+          <a:p>
+            <a:r>
+              <a:rPr lang="en-US" dirty="0" smtClean="0"/>
+              <a:t>Every file in a node.js is a module.</a:t>
+            </a:r>
+          </a:p>
+          <a:p>
+            <a:r>
+              <a:rPr lang="en-US" dirty="0" smtClean="0"/>
+              <a:t>Node wraps every file code within a function called Module wrapper function.</a:t>
+            </a:r>
+          </a:p>
+          <a:p>
+            <a:r>
+              <a:rPr lang="en-US" dirty="0" smtClean="0"/>
+              <a:t>It passes 5 </a:t>
+            </a:r>
+            <a:r>
               <a:rPr lang="en-US" dirty="0" err="1" smtClean="0"/>
-              <a:t>init</a:t>
+              <a:t>params</a:t>
+            </a:r>
+            <a:r>
+              <a:rPr lang="en-US" dirty="0" smtClean="0"/>
+              <a:t> to each module.</a:t>
+            </a:r>
+          </a:p>
+          <a:p>
+            <a:pPr lvl="1"/>
+            <a:r>
+              <a:rPr lang="en-US" dirty="0"/>
+              <a:t>e</a:t>
+            </a:r>
+            <a:r>
+              <a:rPr lang="en-US" dirty="0" smtClean="0"/>
+              <a:t>xports, require, module, __filename, __</a:t>
+            </a:r>
+            <a:r>
+              <a:rPr lang="en-US" dirty="0" err="1" smtClean="0"/>
+              <a:t>dirname</a:t>
             </a:r>
             <a:endParaRPr lang="en-US" dirty="0" smtClean="0"/>
           </a:p>
-        </p:txBody>
-      </p:sp>
-      <p:pic>
-        <p:nvPicPr>
-          <p:cNvPr id="4100" name="Picture 4" descr="C:\Users\lakshmikantha\Pictures\package.PNG"/>
-          <p:cNvPicPr>
-            <a:picLocks noChangeAspect="1" noChangeArrowheads="1"/>
-          </p:cNvPicPr>
-          <p:nvPr/>
-        </p:nvPicPr>
-        <p:blipFill>
-          <a:blip r:embed="rId2">
-            <a:extLst>
-              <a:ext uri="{28A0092B-C50C-407E-A947-70E740481C1C}">
-                <a14:useLocalDpi xmlns:a14="http://schemas.microsoft.com/office/drawing/2010/main" val="0"/>
-              </a:ext>
-            </a:extLst>
-          </a:blip>
-          <a:srcRect/>
-          <a:stretch>
-            <a:fillRect/>
-          </a:stretch>
-        </p:blipFill>
-        <p:spPr bwMode="auto">
-          <a:xfrm>
-            <a:off x="4267200" y="762000"/>
-            <a:ext cx="4566254" cy="5846618"/>
-          </a:xfrm>
-          <a:prstGeom prst="rect">
-            <a:avLst/>
-          </a:prstGeom>
-          <a:noFill/>
-          <a:extLst>
-            <a:ext uri="{909E8E84-426E-40DD-AFC4-6F175D3DCCD1}">
-              <a14:hiddenFill xmlns:a14="http://schemas.microsoft.com/office/drawing/2010/main">
-                <a:solidFill>
-                  <a:srgbClr val="FFFFFF"/>
-                </a:solidFill>
-              </a14:hiddenFill>
-            </a:ext>
-          </a:extLst>
-        </p:spPr>
-      </p:pic>
+          <a:p>
+            <a:r>
+              <a:rPr lang="en-US" dirty="0" smtClean="0"/>
+              <a:t>Variables declared are local to the module/file.</a:t>
+            </a:r>
+          </a:p>
+          <a:p>
+            <a:r>
+              <a:rPr lang="en-US" dirty="0" smtClean="0"/>
+              <a:t>Use </a:t>
+            </a:r>
+            <a:r>
+              <a:rPr lang="en-US" dirty="0" err="1" smtClean="0"/>
+              <a:t>module.exports</a:t>
+            </a:r>
+            <a:r>
+              <a:rPr lang="en-US" dirty="0"/>
+              <a:t> </a:t>
+            </a:r>
+            <a:r>
+              <a:rPr lang="en-US" dirty="0" smtClean="0"/>
+              <a:t>to expose a variable/function from the module.</a:t>
+            </a:r>
+          </a:p>
+          <a:p>
+            <a:r>
+              <a:rPr lang="en-US" dirty="0" smtClean="0"/>
+              <a:t>Use require to import from other modules</a:t>
+            </a:r>
+            <a:endParaRPr lang="en-US" dirty="0"/>
+          </a:p>
+        </p:txBody>
+      </p:sp>
     </p:spTree>
     <p:extLst>
       <p:ext uri="{BB962C8B-B14F-4D97-AF65-F5344CB8AC3E}">
-        <p14:creationId xmlns:p14="http://schemas.microsoft.com/office/powerpoint/2010/main" val="1980389350"/>
+        <p14:creationId xmlns:p14="http://schemas.microsoft.com/office/powerpoint/2010/main" val="1239926647"/>
       </p:ext>
     </p:extLst>
   </p:cSld>
